--- a/ai_classification/classification.pptx
+++ b/ai_classification/classification.pptx
@@ -12,7 +12,26 @@
     <p:sldId id="260" r:id="rId6"/>
     <p:sldId id="261" r:id="rId7"/>
     <p:sldId id="262" r:id="rId8"/>
-    <p:sldId id="263" r:id="rId9"/>
+    <p:sldId id="264" r:id="rId9"/>
+    <p:sldId id="263" r:id="rId10"/>
+    <p:sldId id="265" r:id="rId11"/>
+    <p:sldId id="266" r:id="rId12"/>
+    <p:sldId id="267" r:id="rId13"/>
+    <p:sldId id="269" r:id="rId14"/>
+    <p:sldId id="270" r:id="rId15"/>
+    <p:sldId id="271" r:id="rId16"/>
+    <p:sldId id="268" r:id="rId17"/>
+    <p:sldId id="272" r:id="rId18"/>
+    <p:sldId id="273" r:id="rId19"/>
+    <p:sldId id="274" r:id="rId20"/>
+    <p:sldId id="275" r:id="rId21"/>
+    <p:sldId id="276" r:id="rId22"/>
+    <p:sldId id="277" r:id="rId23"/>
+    <p:sldId id="279" r:id="rId24"/>
+    <p:sldId id="280" r:id="rId25"/>
+    <p:sldId id="281" r:id="rId26"/>
+    <p:sldId id="278" r:id="rId27"/>
+    <p:sldId id="282" r:id="rId28"/>
   </p:sldIdLst>
   <p:sldSz cx="12192000" cy="6858000"/>
   <p:notesSz cx="6858000" cy="9144000"/>
@@ -250,7 +269,7 @@
           <a:p>
             <a:fld id="{FE86A1E9-046F-460A-9ED5-B7EAF2655F19}" type="datetimeFigureOut">
               <a:rPr lang="ru-RU" smtClean="0"/>
-              <a:t>05.11.2025</a:t>
+              <a:t>06.11.2025</a:t>
             </a:fld>
             <a:endParaRPr lang="ru-RU"/>
           </a:p>
@@ -420,7 +439,7 @@
           <a:p>
             <a:fld id="{FE86A1E9-046F-460A-9ED5-B7EAF2655F19}" type="datetimeFigureOut">
               <a:rPr lang="ru-RU" smtClean="0"/>
-              <a:t>05.11.2025</a:t>
+              <a:t>06.11.2025</a:t>
             </a:fld>
             <a:endParaRPr lang="ru-RU"/>
           </a:p>
@@ -600,7 +619,7 @@
           <a:p>
             <a:fld id="{FE86A1E9-046F-460A-9ED5-B7EAF2655F19}" type="datetimeFigureOut">
               <a:rPr lang="ru-RU" smtClean="0"/>
-              <a:t>05.11.2025</a:t>
+              <a:t>06.11.2025</a:t>
             </a:fld>
             <a:endParaRPr lang="ru-RU"/>
           </a:p>
@@ -770,7 +789,7 @@
           <a:p>
             <a:fld id="{FE86A1E9-046F-460A-9ED5-B7EAF2655F19}" type="datetimeFigureOut">
               <a:rPr lang="ru-RU" smtClean="0"/>
-              <a:t>05.11.2025</a:t>
+              <a:t>06.11.2025</a:t>
             </a:fld>
             <a:endParaRPr lang="ru-RU"/>
           </a:p>
@@ -1016,7 +1035,7 @@
           <a:p>
             <a:fld id="{FE86A1E9-046F-460A-9ED5-B7EAF2655F19}" type="datetimeFigureOut">
               <a:rPr lang="ru-RU" smtClean="0"/>
-              <a:t>05.11.2025</a:t>
+              <a:t>06.11.2025</a:t>
             </a:fld>
             <a:endParaRPr lang="ru-RU"/>
           </a:p>
@@ -1248,7 +1267,7 @@
           <a:p>
             <a:fld id="{FE86A1E9-046F-460A-9ED5-B7EAF2655F19}" type="datetimeFigureOut">
               <a:rPr lang="ru-RU" smtClean="0"/>
-              <a:t>05.11.2025</a:t>
+              <a:t>06.11.2025</a:t>
             </a:fld>
             <a:endParaRPr lang="ru-RU"/>
           </a:p>
@@ -1615,7 +1634,7 @@
           <a:p>
             <a:fld id="{FE86A1E9-046F-460A-9ED5-B7EAF2655F19}" type="datetimeFigureOut">
               <a:rPr lang="ru-RU" smtClean="0"/>
-              <a:t>05.11.2025</a:t>
+              <a:t>06.11.2025</a:t>
             </a:fld>
             <a:endParaRPr lang="ru-RU"/>
           </a:p>
@@ -1733,7 +1752,7 @@
           <a:p>
             <a:fld id="{FE86A1E9-046F-460A-9ED5-B7EAF2655F19}" type="datetimeFigureOut">
               <a:rPr lang="ru-RU" smtClean="0"/>
-              <a:t>05.11.2025</a:t>
+              <a:t>06.11.2025</a:t>
             </a:fld>
             <a:endParaRPr lang="ru-RU"/>
           </a:p>
@@ -1828,7 +1847,7 @@
           <a:p>
             <a:fld id="{FE86A1E9-046F-460A-9ED5-B7EAF2655F19}" type="datetimeFigureOut">
               <a:rPr lang="ru-RU" smtClean="0"/>
-              <a:t>05.11.2025</a:t>
+              <a:t>06.11.2025</a:t>
             </a:fld>
             <a:endParaRPr lang="ru-RU"/>
           </a:p>
@@ -2105,7 +2124,7 @@
           <a:p>
             <a:fld id="{FE86A1E9-046F-460A-9ED5-B7EAF2655F19}" type="datetimeFigureOut">
               <a:rPr lang="ru-RU" smtClean="0"/>
-              <a:t>05.11.2025</a:t>
+              <a:t>06.11.2025</a:t>
             </a:fld>
             <a:endParaRPr lang="ru-RU"/>
           </a:p>
@@ -2362,7 +2381,7 @@
           <a:p>
             <a:fld id="{FE86A1E9-046F-460A-9ED5-B7EAF2655F19}" type="datetimeFigureOut">
               <a:rPr lang="ru-RU" smtClean="0"/>
-              <a:t>05.11.2025</a:t>
+              <a:t>06.11.2025</a:t>
             </a:fld>
             <a:endParaRPr lang="ru-RU"/>
           </a:p>
@@ -2575,7 +2594,7 @@
           <a:p>
             <a:fld id="{FE86A1E9-046F-460A-9ED5-B7EAF2655F19}" type="datetimeFigureOut">
               <a:rPr lang="ru-RU" smtClean="0"/>
-              <a:t>05.11.2025</a:t>
+              <a:t>06.11.2025</a:t>
             </a:fld>
             <a:endParaRPr lang="ru-RU"/>
           </a:p>
@@ -3046,6 +3065,1015 @@
 </p:sld>
 </file>
 
+<file path=ppt/slides/slide10.xml><?xml version="1.0" encoding="utf-8"?>
+<p:sld xmlns:a="http://schemas.openxmlformats.org/drawingml/2006/main" xmlns:r="http://schemas.openxmlformats.org/officeDocument/2006/relationships" xmlns:p="http://schemas.openxmlformats.org/presentationml/2006/main">
+  <p:cSld>
+    <p:spTree>
+      <p:nvGrpSpPr>
+        <p:cNvPr id="1" name=""/>
+        <p:cNvGrpSpPr/>
+        <p:nvPr/>
+      </p:nvGrpSpPr>
+      <p:grpSpPr>
+        <a:xfrm>
+          <a:off x="0" y="0"/>
+          <a:ext cx="0" cy="0"/>
+          <a:chOff x="0" y="0"/>
+          <a:chExt cx="0" cy="0"/>
+        </a:xfrm>
+      </p:grpSpPr>
+      <p:sp>
+        <p:nvSpPr>
+          <p:cNvPr id="2" name="Заголовок 1">
+            <a:extLst>
+              <a:ext uri="{FF2B5EF4-FFF2-40B4-BE49-F238E27FC236}">
+                <a16:creationId xmlns:a16="http://schemas.microsoft.com/office/drawing/2014/main" id="{37B2568D-F678-466E-9B3F-4EFCABF90A6C}"/>
+              </a:ext>
+            </a:extLst>
+          </p:cNvPr>
+          <p:cNvSpPr>
+            <a:spLocks noGrp="1"/>
+          </p:cNvSpPr>
+          <p:nvPr>
+            <p:ph type="title"/>
+          </p:nvPr>
+        </p:nvSpPr>
+        <p:spPr/>
+        <p:txBody>
+          <a:bodyPr/>
+          <a:lstStyle/>
+          <a:p>
+            <a:r>
+              <a:rPr lang="en-US" dirty="0" err="1">
+                <a:solidFill>
+                  <a:srgbClr val="FFFFFF"/>
+                </a:solidFill>
+                <a:latin typeface="system-ui"/>
+              </a:rPr>
+              <a:t>CatBoost</a:t>
+            </a:r>
+            <a:endParaRPr lang="ru-RU" dirty="0"/>
+          </a:p>
+        </p:txBody>
+      </p:sp>
+      <p:sp>
+        <p:nvSpPr>
+          <p:cNvPr id="3" name="Объект 2">
+            <a:extLst>
+              <a:ext uri="{FF2B5EF4-FFF2-40B4-BE49-F238E27FC236}">
+                <a16:creationId xmlns:a16="http://schemas.microsoft.com/office/drawing/2014/main" id="{62115D2F-239C-4BA2-8D45-82215C214CCD}"/>
+              </a:ext>
+            </a:extLst>
+          </p:cNvPr>
+          <p:cNvSpPr>
+            <a:spLocks noGrp="1"/>
+          </p:cNvSpPr>
+          <p:nvPr>
+            <p:ph idx="1"/>
+          </p:nvPr>
+        </p:nvSpPr>
+        <p:spPr/>
+        <p:txBody>
+          <a:bodyPr/>
+          <a:lstStyle/>
+          <a:p>
+            <a:r>
+              <a:rPr lang="ru-RU" dirty="0"/>
+              <a:t>Работа с категориями</a:t>
+            </a:r>
+          </a:p>
+          <a:p>
+            <a:r>
+              <a:rPr lang="ru-RU" dirty="0"/>
+              <a:t>Ансамбль деревьев</a:t>
+            </a:r>
+          </a:p>
+        </p:txBody>
+      </p:sp>
+    </p:spTree>
+    <p:extLst>
+      <p:ext uri="{BB962C8B-B14F-4D97-AF65-F5344CB8AC3E}">
+        <p14:creationId xmlns:p14="http://schemas.microsoft.com/office/powerpoint/2010/main" val="4096529518"/>
+      </p:ext>
+    </p:extLst>
+  </p:cSld>
+  <p:clrMapOvr>
+    <a:masterClrMapping/>
+  </p:clrMapOvr>
+</p:sld>
+</file>
+
+<file path=ppt/slides/slide11.xml><?xml version="1.0" encoding="utf-8"?>
+<p:sld xmlns:a="http://schemas.openxmlformats.org/drawingml/2006/main" xmlns:r="http://schemas.openxmlformats.org/officeDocument/2006/relationships" xmlns:p="http://schemas.openxmlformats.org/presentationml/2006/main">
+  <p:cSld>
+    <p:spTree>
+      <p:nvGrpSpPr>
+        <p:cNvPr id="1" name=""/>
+        <p:cNvGrpSpPr/>
+        <p:nvPr/>
+      </p:nvGrpSpPr>
+      <p:grpSpPr>
+        <a:xfrm>
+          <a:off x="0" y="0"/>
+          <a:ext cx="0" cy="0"/>
+          <a:chOff x="0" y="0"/>
+          <a:chExt cx="0" cy="0"/>
+        </a:xfrm>
+      </p:grpSpPr>
+      <p:sp>
+        <p:nvSpPr>
+          <p:cNvPr id="2" name="Заголовок 1">
+            <a:extLst>
+              <a:ext uri="{FF2B5EF4-FFF2-40B4-BE49-F238E27FC236}">
+                <a16:creationId xmlns:a16="http://schemas.microsoft.com/office/drawing/2014/main" id="{37B2568D-F678-466E-9B3F-4EFCABF90A6C}"/>
+              </a:ext>
+            </a:extLst>
+          </p:cNvPr>
+          <p:cNvSpPr>
+            <a:spLocks noGrp="1"/>
+          </p:cNvSpPr>
+          <p:nvPr>
+            <p:ph type="title"/>
+          </p:nvPr>
+        </p:nvSpPr>
+        <p:spPr/>
+        <p:txBody>
+          <a:bodyPr/>
+          <a:lstStyle/>
+          <a:p>
+            <a:r>
+              <a:rPr lang="en-US" dirty="0" err="1">
+                <a:solidFill>
+                  <a:srgbClr val="FFFFFF"/>
+                </a:solidFill>
+                <a:latin typeface="system-ui"/>
+              </a:rPr>
+              <a:t>CatBoost</a:t>
+            </a:r>
+            <a:endParaRPr lang="ru-RU" dirty="0"/>
+          </a:p>
+        </p:txBody>
+      </p:sp>
+      <p:sp>
+        <p:nvSpPr>
+          <p:cNvPr id="3" name="Объект 2">
+            <a:extLst>
+              <a:ext uri="{FF2B5EF4-FFF2-40B4-BE49-F238E27FC236}">
+                <a16:creationId xmlns:a16="http://schemas.microsoft.com/office/drawing/2014/main" id="{62115D2F-239C-4BA2-8D45-82215C214CCD}"/>
+              </a:ext>
+            </a:extLst>
+          </p:cNvPr>
+          <p:cNvSpPr>
+            <a:spLocks noGrp="1"/>
+          </p:cNvSpPr>
+          <p:nvPr>
+            <p:ph idx="1"/>
+          </p:nvPr>
+        </p:nvSpPr>
+        <p:spPr/>
+        <p:txBody>
+          <a:bodyPr/>
+          <a:lstStyle/>
+          <a:p>
+            <a:r>
+              <a:rPr lang="ru-RU" dirty="0"/>
+              <a:t>Сравним с логистической регрессией и деревом решений</a:t>
+            </a:r>
+          </a:p>
+        </p:txBody>
+      </p:sp>
+    </p:spTree>
+    <p:extLst>
+      <p:ext uri="{BB962C8B-B14F-4D97-AF65-F5344CB8AC3E}">
+        <p14:creationId xmlns:p14="http://schemas.microsoft.com/office/powerpoint/2010/main" val="2455682218"/>
+      </p:ext>
+    </p:extLst>
+  </p:cSld>
+  <p:clrMapOvr>
+    <a:masterClrMapping/>
+  </p:clrMapOvr>
+</p:sld>
+</file>
+
+<file path=ppt/slides/slide12.xml><?xml version="1.0" encoding="utf-8"?>
+<p:sld xmlns:a="http://schemas.openxmlformats.org/drawingml/2006/main" xmlns:r="http://schemas.openxmlformats.org/officeDocument/2006/relationships" xmlns:p="http://schemas.openxmlformats.org/presentationml/2006/main">
+  <p:cSld>
+    <p:spTree>
+      <p:nvGrpSpPr>
+        <p:cNvPr id="1" name=""/>
+        <p:cNvGrpSpPr/>
+        <p:nvPr/>
+      </p:nvGrpSpPr>
+      <p:grpSpPr>
+        <a:xfrm>
+          <a:off x="0" y="0"/>
+          <a:ext cx="0" cy="0"/>
+          <a:chOff x="0" y="0"/>
+          <a:chExt cx="0" cy="0"/>
+        </a:xfrm>
+      </p:grpSpPr>
+      <p:sp>
+        <p:nvSpPr>
+          <p:cNvPr id="2" name="Заголовок 1">
+            <a:extLst>
+              <a:ext uri="{FF2B5EF4-FFF2-40B4-BE49-F238E27FC236}">
+                <a16:creationId xmlns:a16="http://schemas.microsoft.com/office/drawing/2014/main" id="{37B2568D-F678-466E-9B3F-4EFCABF90A6C}"/>
+              </a:ext>
+            </a:extLst>
+          </p:cNvPr>
+          <p:cNvSpPr>
+            <a:spLocks noGrp="1"/>
+          </p:cNvSpPr>
+          <p:nvPr>
+            <p:ph type="title"/>
+          </p:nvPr>
+        </p:nvSpPr>
+        <p:spPr/>
+        <p:txBody>
+          <a:bodyPr/>
+          <a:lstStyle/>
+          <a:p>
+            <a:r>
+              <a:rPr lang="ru-RU" dirty="0">
+                <a:solidFill>
+                  <a:srgbClr val="FFFFFF"/>
+                </a:solidFill>
+                <a:latin typeface="system-ui"/>
+              </a:rPr>
+              <a:t>Нейросети</a:t>
+            </a:r>
+            <a:endParaRPr lang="ru-RU" dirty="0"/>
+          </a:p>
+        </p:txBody>
+      </p:sp>
+      <p:sp>
+        <p:nvSpPr>
+          <p:cNvPr id="3" name="Объект 2">
+            <a:extLst>
+              <a:ext uri="{FF2B5EF4-FFF2-40B4-BE49-F238E27FC236}">
+                <a16:creationId xmlns:a16="http://schemas.microsoft.com/office/drawing/2014/main" id="{62115D2F-239C-4BA2-8D45-82215C214CCD}"/>
+              </a:ext>
+            </a:extLst>
+          </p:cNvPr>
+          <p:cNvSpPr>
+            <a:spLocks noGrp="1"/>
+          </p:cNvSpPr>
+          <p:nvPr>
+            <p:ph idx="1"/>
+          </p:nvPr>
+        </p:nvSpPr>
+        <p:spPr/>
+        <p:txBody>
+          <a:bodyPr/>
+          <a:lstStyle/>
+          <a:p>
+            <a:r>
+              <a:rPr lang="ru-RU" dirty="0"/>
+              <a:t>Изображения (генерация картинок, </a:t>
+            </a:r>
+            <a:r>
+              <a:rPr lang="en-US" dirty="0" err="1"/>
+              <a:t>FaceID</a:t>
+            </a:r>
+            <a:r>
+              <a:rPr lang="ru-RU" dirty="0"/>
+              <a:t>)</a:t>
+            </a:r>
+          </a:p>
+          <a:p>
+            <a:r>
+              <a:rPr lang="ru-RU" dirty="0"/>
+              <a:t>Тексты</a:t>
+            </a:r>
+            <a:r>
+              <a:rPr lang="en-US" dirty="0"/>
+              <a:t> (</a:t>
+            </a:r>
+            <a:r>
+              <a:rPr lang="ru-RU" dirty="0"/>
+              <a:t>перевод, разговор с компьютером</a:t>
+            </a:r>
+            <a:r>
+              <a:rPr lang="en-US" dirty="0"/>
+              <a:t>)</a:t>
+            </a:r>
+            <a:endParaRPr lang="ru-RU" dirty="0"/>
+          </a:p>
+          <a:p>
+            <a:r>
+              <a:rPr lang="ru-RU" dirty="0"/>
+              <a:t>Множество других данных</a:t>
+            </a:r>
+          </a:p>
+        </p:txBody>
+      </p:sp>
+    </p:spTree>
+    <p:extLst>
+      <p:ext uri="{BB962C8B-B14F-4D97-AF65-F5344CB8AC3E}">
+        <p14:creationId xmlns:p14="http://schemas.microsoft.com/office/powerpoint/2010/main" val="2024579046"/>
+      </p:ext>
+    </p:extLst>
+  </p:cSld>
+  <p:clrMapOvr>
+    <a:masterClrMapping/>
+  </p:clrMapOvr>
+</p:sld>
+</file>
+
+<file path=ppt/slides/slide13.xml><?xml version="1.0" encoding="utf-8"?>
+<p:sld xmlns:a="http://schemas.openxmlformats.org/drawingml/2006/main" xmlns:r="http://schemas.openxmlformats.org/officeDocument/2006/relationships" xmlns:p="http://schemas.openxmlformats.org/presentationml/2006/main">
+  <p:cSld>
+    <p:spTree>
+      <p:nvGrpSpPr>
+        <p:cNvPr id="1" name=""/>
+        <p:cNvGrpSpPr/>
+        <p:nvPr/>
+      </p:nvGrpSpPr>
+      <p:grpSpPr>
+        <a:xfrm>
+          <a:off x="0" y="0"/>
+          <a:ext cx="0" cy="0"/>
+          <a:chOff x="0" y="0"/>
+          <a:chExt cx="0" cy="0"/>
+        </a:xfrm>
+      </p:grpSpPr>
+      <p:sp>
+        <p:nvSpPr>
+          <p:cNvPr id="2" name="Заголовок 1">
+            <a:extLst>
+              <a:ext uri="{FF2B5EF4-FFF2-40B4-BE49-F238E27FC236}">
+                <a16:creationId xmlns:a16="http://schemas.microsoft.com/office/drawing/2014/main" id="{37B2568D-F678-466E-9B3F-4EFCABF90A6C}"/>
+              </a:ext>
+            </a:extLst>
+          </p:cNvPr>
+          <p:cNvSpPr>
+            <a:spLocks noGrp="1"/>
+          </p:cNvSpPr>
+          <p:nvPr>
+            <p:ph type="title"/>
+          </p:nvPr>
+        </p:nvSpPr>
+        <p:spPr/>
+        <p:txBody>
+          <a:bodyPr/>
+          <a:lstStyle/>
+          <a:p>
+            <a:r>
+              <a:rPr lang="ru-RU" dirty="0">
+                <a:solidFill>
+                  <a:srgbClr val="FFFFFF"/>
+                </a:solidFill>
+                <a:latin typeface="system-ui"/>
+              </a:rPr>
+              <a:t>Нейросети</a:t>
+            </a:r>
+            <a:endParaRPr lang="ru-RU" dirty="0"/>
+          </a:p>
+        </p:txBody>
+      </p:sp>
+      <p:pic>
+        <p:nvPicPr>
+          <p:cNvPr id="5" name="Объект 4">
+            <a:extLst>
+              <a:ext uri="{FF2B5EF4-FFF2-40B4-BE49-F238E27FC236}">
+                <a16:creationId xmlns:a16="http://schemas.microsoft.com/office/drawing/2014/main" id="{F3E0D877-FCD5-4C39-9247-866C3BB6CA15}"/>
+              </a:ext>
+            </a:extLst>
+          </p:cNvPr>
+          <p:cNvPicPr>
+            <a:picLocks noGrp="1" noChangeAspect="1"/>
+          </p:cNvPicPr>
+          <p:nvPr>
+            <p:ph idx="1"/>
+          </p:nvPr>
+        </p:nvPicPr>
+        <p:blipFill>
+          <a:blip r:embed="rId2"/>
+          <a:stretch>
+            <a:fillRect/>
+          </a:stretch>
+        </p:blipFill>
+        <p:spPr>
+          <a:xfrm>
+            <a:off x="3862387" y="2315369"/>
+            <a:ext cx="4467225" cy="3371850"/>
+          </a:xfrm>
+        </p:spPr>
+      </p:pic>
+    </p:spTree>
+    <p:extLst>
+      <p:ext uri="{BB962C8B-B14F-4D97-AF65-F5344CB8AC3E}">
+        <p14:creationId xmlns:p14="http://schemas.microsoft.com/office/powerpoint/2010/main" val="1036173565"/>
+      </p:ext>
+    </p:extLst>
+  </p:cSld>
+  <p:clrMapOvr>
+    <a:masterClrMapping/>
+  </p:clrMapOvr>
+</p:sld>
+</file>
+
+<file path=ppt/slides/slide14.xml><?xml version="1.0" encoding="utf-8"?>
+<p:sld xmlns:a="http://schemas.openxmlformats.org/drawingml/2006/main" xmlns:r="http://schemas.openxmlformats.org/officeDocument/2006/relationships" xmlns:p="http://schemas.openxmlformats.org/presentationml/2006/main">
+  <p:cSld>
+    <p:spTree>
+      <p:nvGrpSpPr>
+        <p:cNvPr id="1" name=""/>
+        <p:cNvGrpSpPr/>
+        <p:nvPr/>
+      </p:nvGrpSpPr>
+      <p:grpSpPr>
+        <a:xfrm>
+          <a:off x="0" y="0"/>
+          <a:ext cx="0" cy="0"/>
+          <a:chOff x="0" y="0"/>
+          <a:chExt cx="0" cy="0"/>
+        </a:xfrm>
+      </p:grpSpPr>
+      <p:sp>
+        <p:nvSpPr>
+          <p:cNvPr id="2" name="Заголовок 1">
+            <a:extLst>
+              <a:ext uri="{FF2B5EF4-FFF2-40B4-BE49-F238E27FC236}">
+                <a16:creationId xmlns:a16="http://schemas.microsoft.com/office/drawing/2014/main" id="{37B2568D-F678-466E-9B3F-4EFCABF90A6C}"/>
+              </a:ext>
+            </a:extLst>
+          </p:cNvPr>
+          <p:cNvSpPr>
+            <a:spLocks noGrp="1"/>
+          </p:cNvSpPr>
+          <p:nvPr>
+            <p:ph type="title"/>
+          </p:nvPr>
+        </p:nvSpPr>
+        <p:spPr/>
+        <p:txBody>
+          <a:bodyPr/>
+          <a:lstStyle/>
+          <a:p>
+            <a:r>
+              <a:rPr lang="ru-RU" dirty="0">
+                <a:solidFill>
+                  <a:srgbClr val="FFFFFF"/>
+                </a:solidFill>
+                <a:latin typeface="system-ui"/>
+              </a:rPr>
+              <a:t>Нейросети</a:t>
+            </a:r>
+            <a:endParaRPr lang="ru-RU" dirty="0"/>
+          </a:p>
+        </p:txBody>
+      </p:sp>
+      <p:pic>
+        <p:nvPicPr>
+          <p:cNvPr id="7" name="Объект 6">
+            <a:extLst>
+              <a:ext uri="{FF2B5EF4-FFF2-40B4-BE49-F238E27FC236}">
+                <a16:creationId xmlns:a16="http://schemas.microsoft.com/office/drawing/2014/main" id="{238784C8-B054-4376-BAA3-A94AF437B555}"/>
+              </a:ext>
+            </a:extLst>
+          </p:cNvPr>
+          <p:cNvPicPr>
+            <a:picLocks noGrp="1" noChangeAspect="1"/>
+          </p:cNvPicPr>
+          <p:nvPr>
+            <p:ph idx="1"/>
+          </p:nvPr>
+        </p:nvPicPr>
+        <p:blipFill>
+          <a:blip r:embed="rId2"/>
+          <a:stretch>
+            <a:fillRect/>
+          </a:stretch>
+        </p:blipFill>
+        <p:spPr>
+          <a:xfrm>
+            <a:off x="3143869" y="1825625"/>
+            <a:ext cx="5904261" cy="4351338"/>
+          </a:xfrm>
+        </p:spPr>
+      </p:pic>
+    </p:spTree>
+    <p:extLst>
+      <p:ext uri="{BB962C8B-B14F-4D97-AF65-F5344CB8AC3E}">
+        <p14:creationId xmlns:p14="http://schemas.microsoft.com/office/powerpoint/2010/main" val="3479331388"/>
+      </p:ext>
+    </p:extLst>
+  </p:cSld>
+  <p:clrMapOvr>
+    <a:masterClrMapping/>
+  </p:clrMapOvr>
+</p:sld>
+</file>
+
+<file path=ppt/slides/slide15.xml><?xml version="1.0" encoding="utf-8"?>
+<p:sld xmlns:a="http://schemas.openxmlformats.org/drawingml/2006/main" xmlns:r="http://schemas.openxmlformats.org/officeDocument/2006/relationships" xmlns:p="http://schemas.openxmlformats.org/presentationml/2006/main">
+  <p:cSld>
+    <p:spTree>
+      <p:nvGrpSpPr>
+        <p:cNvPr id="1" name=""/>
+        <p:cNvGrpSpPr/>
+        <p:nvPr/>
+      </p:nvGrpSpPr>
+      <p:grpSpPr>
+        <a:xfrm>
+          <a:off x="0" y="0"/>
+          <a:ext cx="0" cy="0"/>
+          <a:chOff x="0" y="0"/>
+          <a:chExt cx="0" cy="0"/>
+        </a:xfrm>
+      </p:grpSpPr>
+      <p:sp>
+        <p:nvSpPr>
+          <p:cNvPr id="2" name="Заголовок 1">
+            <a:extLst>
+              <a:ext uri="{FF2B5EF4-FFF2-40B4-BE49-F238E27FC236}">
+                <a16:creationId xmlns:a16="http://schemas.microsoft.com/office/drawing/2014/main" id="{37B2568D-F678-466E-9B3F-4EFCABF90A6C}"/>
+              </a:ext>
+            </a:extLst>
+          </p:cNvPr>
+          <p:cNvSpPr>
+            <a:spLocks noGrp="1"/>
+          </p:cNvSpPr>
+          <p:nvPr>
+            <p:ph type="title"/>
+          </p:nvPr>
+        </p:nvSpPr>
+        <p:spPr/>
+        <p:txBody>
+          <a:bodyPr/>
+          <a:lstStyle/>
+          <a:p>
+            <a:r>
+              <a:rPr lang="ru-RU" dirty="0">
+                <a:solidFill>
+                  <a:srgbClr val="FFFFFF"/>
+                </a:solidFill>
+                <a:latin typeface="system-ui"/>
+              </a:rPr>
+              <a:t>Нейросети</a:t>
+            </a:r>
+            <a:endParaRPr lang="ru-RU" dirty="0"/>
+          </a:p>
+        </p:txBody>
+      </p:sp>
+      <p:pic>
+        <p:nvPicPr>
+          <p:cNvPr id="6" name="Объект 5">
+            <a:extLst>
+              <a:ext uri="{FF2B5EF4-FFF2-40B4-BE49-F238E27FC236}">
+                <a16:creationId xmlns:a16="http://schemas.microsoft.com/office/drawing/2014/main" id="{112ECB3D-33A4-4FE7-B7A4-E8450E95C338}"/>
+              </a:ext>
+            </a:extLst>
+          </p:cNvPr>
+          <p:cNvPicPr>
+            <a:picLocks noGrp="1" noChangeAspect="1"/>
+          </p:cNvPicPr>
+          <p:nvPr>
+            <p:ph idx="1"/>
+          </p:nvPr>
+        </p:nvPicPr>
+        <p:blipFill>
+          <a:blip r:embed="rId2"/>
+          <a:stretch>
+            <a:fillRect/>
+          </a:stretch>
+        </p:blipFill>
+        <p:spPr>
+          <a:xfrm>
+            <a:off x="2472774" y="1825625"/>
+            <a:ext cx="7246451" cy="4351338"/>
+          </a:xfrm>
+        </p:spPr>
+      </p:pic>
+    </p:spTree>
+    <p:extLst>
+      <p:ext uri="{BB962C8B-B14F-4D97-AF65-F5344CB8AC3E}">
+        <p14:creationId xmlns:p14="http://schemas.microsoft.com/office/powerpoint/2010/main" val="2935046157"/>
+      </p:ext>
+    </p:extLst>
+  </p:cSld>
+  <p:clrMapOvr>
+    <a:masterClrMapping/>
+  </p:clrMapOvr>
+</p:sld>
+</file>
+
+<file path=ppt/slides/slide16.xml><?xml version="1.0" encoding="utf-8"?>
+<p:sld xmlns:a="http://schemas.openxmlformats.org/drawingml/2006/main" xmlns:r="http://schemas.openxmlformats.org/officeDocument/2006/relationships" xmlns:p="http://schemas.openxmlformats.org/presentationml/2006/main">
+  <p:cSld>
+    <p:spTree>
+      <p:nvGrpSpPr>
+        <p:cNvPr id="1" name=""/>
+        <p:cNvGrpSpPr/>
+        <p:nvPr/>
+      </p:nvGrpSpPr>
+      <p:grpSpPr>
+        <a:xfrm>
+          <a:off x="0" y="0"/>
+          <a:ext cx="0" cy="0"/>
+          <a:chOff x="0" y="0"/>
+          <a:chExt cx="0" cy="0"/>
+        </a:xfrm>
+      </p:grpSpPr>
+      <p:sp>
+        <p:nvSpPr>
+          <p:cNvPr id="2" name="Заголовок 1">
+            <a:extLst>
+              <a:ext uri="{FF2B5EF4-FFF2-40B4-BE49-F238E27FC236}">
+                <a16:creationId xmlns:a16="http://schemas.microsoft.com/office/drawing/2014/main" id="{37B2568D-F678-466E-9B3F-4EFCABF90A6C}"/>
+              </a:ext>
+            </a:extLst>
+          </p:cNvPr>
+          <p:cNvSpPr>
+            <a:spLocks noGrp="1"/>
+          </p:cNvSpPr>
+          <p:nvPr>
+            <p:ph type="title"/>
+          </p:nvPr>
+        </p:nvSpPr>
+        <p:spPr/>
+        <p:txBody>
+          <a:bodyPr/>
+          <a:lstStyle/>
+          <a:p>
+            <a:r>
+              <a:rPr lang="ru-RU" dirty="0">
+                <a:solidFill>
+                  <a:srgbClr val="FFFFFF"/>
+                </a:solidFill>
+                <a:latin typeface="system-ui"/>
+              </a:rPr>
+              <a:t>Нейросети</a:t>
+            </a:r>
+            <a:endParaRPr lang="ru-RU" dirty="0"/>
+          </a:p>
+        </p:txBody>
+      </p:sp>
+      <p:pic>
+        <p:nvPicPr>
+          <p:cNvPr id="5" name="Объект 4">
+            <a:extLst>
+              <a:ext uri="{FF2B5EF4-FFF2-40B4-BE49-F238E27FC236}">
+                <a16:creationId xmlns:a16="http://schemas.microsoft.com/office/drawing/2014/main" id="{CE619BB4-71C4-49DA-8883-C031DDCF697D}"/>
+              </a:ext>
+            </a:extLst>
+          </p:cNvPr>
+          <p:cNvPicPr>
+            <a:picLocks noGrp="1" noChangeAspect="1"/>
+          </p:cNvPicPr>
+          <p:nvPr>
+            <p:ph idx="1"/>
+          </p:nvPr>
+        </p:nvPicPr>
+        <p:blipFill>
+          <a:blip r:embed="rId2"/>
+          <a:stretch>
+            <a:fillRect/>
+          </a:stretch>
+        </p:blipFill>
+        <p:spPr>
+          <a:xfrm>
+            <a:off x="1652587" y="2548731"/>
+            <a:ext cx="8886825" cy="2905125"/>
+          </a:xfrm>
+        </p:spPr>
+      </p:pic>
+    </p:spTree>
+    <p:extLst>
+      <p:ext uri="{BB962C8B-B14F-4D97-AF65-F5344CB8AC3E}">
+        <p14:creationId xmlns:p14="http://schemas.microsoft.com/office/powerpoint/2010/main" val="1338886966"/>
+      </p:ext>
+    </p:extLst>
+  </p:cSld>
+  <p:clrMapOvr>
+    <a:masterClrMapping/>
+  </p:clrMapOvr>
+</p:sld>
+</file>
+
+<file path=ppt/slides/slide17.xml><?xml version="1.0" encoding="utf-8"?>
+<p:sld xmlns:a="http://schemas.openxmlformats.org/drawingml/2006/main" xmlns:r="http://schemas.openxmlformats.org/officeDocument/2006/relationships" xmlns:p="http://schemas.openxmlformats.org/presentationml/2006/main">
+  <p:cSld>
+    <p:spTree>
+      <p:nvGrpSpPr>
+        <p:cNvPr id="1" name=""/>
+        <p:cNvGrpSpPr/>
+        <p:nvPr/>
+      </p:nvGrpSpPr>
+      <p:grpSpPr>
+        <a:xfrm>
+          <a:off x="0" y="0"/>
+          <a:ext cx="0" cy="0"/>
+          <a:chOff x="0" y="0"/>
+          <a:chExt cx="0" cy="0"/>
+        </a:xfrm>
+      </p:grpSpPr>
+      <p:sp>
+        <p:nvSpPr>
+          <p:cNvPr id="2" name="Заголовок 1">
+            <a:extLst>
+              <a:ext uri="{FF2B5EF4-FFF2-40B4-BE49-F238E27FC236}">
+                <a16:creationId xmlns:a16="http://schemas.microsoft.com/office/drawing/2014/main" id="{37B2568D-F678-466E-9B3F-4EFCABF90A6C}"/>
+              </a:ext>
+            </a:extLst>
+          </p:cNvPr>
+          <p:cNvSpPr>
+            <a:spLocks noGrp="1"/>
+          </p:cNvSpPr>
+          <p:nvPr>
+            <p:ph type="title"/>
+          </p:nvPr>
+        </p:nvSpPr>
+        <p:spPr/>
+        <p:txBody>
+          <a:bodyPr/>
+          <a:lstStyle/>
+          <a:p>
+            <a:r>
+              <a:rPr lang="ru-RU" dirty="0">
+                <a:solidFill>
+                  <a:srgbClr val="FFFFFF"/>
+                </a:solidFill>
+                <a:latin typeface="system-ui"/>
+              </a:rPr>
+              <a:t>Нейросети</a:t>
+            </a:r>
+            <a:endParaRPr lang="ru-RU" dirty="0"/>
+          </a:p>
+        </p:txBody>
+      </p:sp>
+      <p:pic>
+        <p:nvPicPr>
+          <p:cNvPr id="7" name="Объект 6">
+            <a:extLst>
+              <a:ext uri="{FF2B5EF4-FFF2-40B4-BE49-F238E27FC236}">
+                <a16:creationId xmlns:a16="http://schemas.microsoft.com/office/drawing/2014/main" id="{21AA49B8-E75B-4314-B955-1EFEE407D0FB}"/>
+              </a:ext>
+            </a:extLst>
+          </p:cNvPr>
+          <p:cNvPicPr>
+            <a:picLocks noGrp="1" noChangeAspect="1"/>
+          </p:cNvPicPr>
+          <p:nvPr>
+            <p:ph idx="1"/>
+          </p:nvPr>
+        </p:nvPicPr>
+        <p:blipFill>
+          <a:blip r:embed="rId2"/>
+          <a:stretch>
+            <a:fillRect/>
+          </a:stretch>
+        </p:blipFill>
+        <p:spPr>
+          <a:xfrm>
+            <a:off x="3070409" y="1825625"/>
+            <a:ext cx="6051181" cy="4351338"/>
+          </a:xfrm>
+        </p:spPr>
+      </p:pic>
+    </p:spTree>
+    <p:extLst>
+      <p:ext uri="{BB962C8B-B14F-4D97-AF65-F5344CB8AC3E}">
+        <p14:creationId xmlns:p14="http://schemas.microsoft.com/office/powerpoint/2010/main" val="4172930569"/>
+      </p:ext>
+    </p:extLst>
+  </p:cSld>
+  <p:clrMapOvr>
+    <a:masterClrMapping/>
+  </p:clrMapOvr>
+</p:sld>
+</file>
+
+<file path=ppt/slides/slide18.xml><?xml version="1.0" encoding="utf-8"?>
+<p:sld xmlns:a="http://schemas.openxmlformats.org/drawingml/2006/main" xmlns:r="http://schemas.openxmlformats.org/officeDocument/2006/relationships" xmlns:p="http://schemas.openxmlformats.org/presentationml/2006/main">
+  <p:cSld>
+    <p:spTree>
+      <p:nvGrpSpPr>
+        <p:cNvPr id="1" name=""/>
+        <p:cNvGrpSpPr/>
+        <p:nvPr/>
+      </p:nvGrpSpPr>
+      <p:grpSpPr>
+        <a:xfrm>
+          <a:off x="0" y="0"/>
+          <a:ext cx="0" cy="0"/>
+          <a:chOff x="0" y="0"/>
+          <a:chExt cx="0" cy="0"/>
+        </a:xfrm>
+      </p:grpSpPr>
+      <p:sp>
+        <p:nvSpPr>
+          <p:cNvPr id="2" name="Заголовок 1">
+            <a:extLst>
+              <a:ext uri="{FF2B5EF4-FFF2-40B4-BE49-F238E27FC236}">
+                <a16:creationId xmlns:a16="http://schemas.microsoft.com/office/drawing/2014/main" id="{37B2568D-F678-466E-9B3F-4EFCABF90A6C}"/>
+              </a:ext>
+            </a:extLst>
+          </p:cNvPr>
+          <p:cNvSpPr>
+            <a:spLocks noGrp="1"/>
+          </p:cNvSpPr>
+          <p:nvPr>
+            <p:ph type="title"/>
+          </p:nvPr>
+        </p:nvSpPr>
+        <p:spPr/>
+        <p:txBody>
+          <a:bodyPr/>
+          <a:lstStyle/>
+          <a:p>
+            <a:r>
+              <a:rPr lang="ru-RU" dirty="0">
+                <a:solidFill>
+                  <a:srgbClr val="FFFFFF"/>
+                </a:solidFill>
+                <a:latin typeface="system-ui"/>
+              </a:rPr>
+              <a:t>Нейросети</a:t>
+            </a:r>
+            <a:endParaRPr lang="ru-RU" dirty="0"/>
+          </a:p>
+        </p:txBody>
+      </p:sp>
+      <p:sp>
+        <p:nvSpPr>
+          <p:cNvPr id="4" name="Объект 3">
+            <a:extLst>
+              <a:ext uri="{FF2B5EF4-FFF2-40B4-BE49-F238E27FC236}">
+                <a16:creationId xmlns:a16="http://schemas.microsoft.com/office/drawing/2014/main" id="{C012C923-0AE3-4BE9-8D20-F3405765434F}"/>
+              </a:ext>
+            </a:extLst>
+          </p:cNvPr>
+          <p:cNvSpPr>
+            <a:spLocks noGrp="1"/>
+          </p:cNvSpPr>
+          <p:nvPr>
+            <p:ph idx="1"/>
+          </p:nvPr>
+        </p:nvSpPr>
+        <p:spPr/>
+        <p:txBody>
+          <a:bodyPr/>
+          <a:lstStyle/>
+          <a:p>
+            <a:endParaRPr lang="ru-RU"/>
+          </a:p>
+        </p:txBody>
+      </p:sp>
+      <p:pic>
+        <p:nvPicPr>
+          <p:cNvPr id="6" name="Рисунок 5">
+            <a:extLst>
+              <a:ext uri="{FF2B5EF4-FFF2-40B4-BE49-F238E27FC236}">
+                <a16:creationId xmlns:a16="http://schemas.microsoft.com/office/drawing/2014/main" id="{9067829C-5B68-4D17-93A9-CB21E2997F28}"/>
+              </a:ext>
+            </a:extLst>
+          </p:cNvPr>
+          <p:cNvPicPr>
+            <a:picLocks noChangeAspect="1"/>
+          </p:cNvPicPr>
+          <p:nvPr/>
+        </p:nvPicPr>
+        <p:blipFill>
+          <a:blip r:embed="rId2"/>
+          <a:stretch>
+            <a:fillRect/>
+          </a:stretch>
+        </p:blipFill>
+        <p:spPr>
+          <a:xfrm>
+            <a:off x="2314014" y="1690688"/>
+            <a:ext cx="7563971" cy="4658299"/>
+          </a:xfrm>
+          <a:prstGeom prst="rect">
+            <a:avLst/>
+          </a:prstGeom>
+        </p:spPr>
+      </p:pic>
+    </p:spTree>
+    <p:extLst>
+      <p:ext uri="{BB962C8B-B14F-4D97-AF65-F5344CB8AC3E}">
+        <p14:creationId xmlns:p14="http://schemas.microsoft.com/office/powerpoint/2010/main" val="3112374492"/>
+      </p:ext>
+    </p:extLst>
+  </p:cSld>
+  <p:clrMapOvr>
+    <a:masterClrMapping/>
+  </p:clrMapOvr>
+</p:sld>
+</file>
+
+<file path=ppt/slides/slide19.xml><?xml version="1.0" encoding="utf-8"?>
+<p:sld xmlns:a="http://schemas.openxmlformats.org/drawingml/2006/main" xmlns:r="http://schemas.openxmlformats.org/officeDocument/2006/relationships" xmlns:p="http://schemas.openxmlformats.org/presentationml/2006/main">
+  <p:cSld>
+    <p:spTree>
+      <p:nvGrpSpPr>
+        <p:cNvPr id="1" name=""/>
+        <p:cNvGrpSpPr/>
+        <p:nvPr/>
+      </p:nvGrpSpPr>
+      <p:grpSpPr>
+        <a:xfrm>
+          <a:off x="0" y="0"/>
+          <a:ext cx="0" cy="0"/>
+          <a:chOff x="0" y="0"/>
+          <a:chExt cx="0" cy="0"/>
+        </a:xfrm>
+      </p:grpSpPr>
+      <p:sp>
+        <p:nvSpPr>
+          <p:cNvPr id="2" name="Заголовок 1">
+            <a:extLst>
+              <a:ext uri="{FF2B5EF4-FFF2-40B4-BE49-F238E27FC236}">
+                <a16:creationId xmlns:a16="http://schemas.microsoft.com/office/drawing/2014/main" id="{37B2568D-F678-466E-9B3F-4EFCABF90A6C}"/>
+              </a:ext>
+            </a:extLst>
+          </p:cNvPr>
+          <p:cNvSpPr>
+            <a:spLocks noGrp="1"/>
+          </p:cNvSpPr>
+          <p:nvPr>
+            <p:ph type="title"/>
+          </p:nvPr>
+        </p:nvSpPr>
+        <p:spPr/>
+        <p:txBody>
+          <a:bodyPr/>
+          <a:lstStyle/>
+          <a:p>
+            <a:r>
+              <a:rPr lang="ru-RU" dirty="0">
+                <a:solidFill>
+                  <a:srgbClr val="FFFFFF"/>
+                </a:solidFill>
+                <a:latin typeface="system-ui"/>
+              </a:rPr>
+              <a:t>Нейросеть из одного нейрона.</a:t>
+            </a:r>
+            <a:br>
+              <a:rPr lang="ru-RU" dirty="0">
+                <a:solidFill>
+                  <a:srgbClr val="FFFFFF"/>
+                </a:solidFill>
+                <a:latin typeface="system-ui"/>
+              </a:rPr>
+            </a:br>
+            <a:r>
+              <a:rPr lang="ru-RU" dirty="0">
+                <a:solidFill>
+                  <a:srgbClr val="FFFFFF"/>
+                </a:solidFill>
+                <a:latin typeface="system-ui"/>
+              </a:rPr>
+              <a:t>На что похоже?</a:t>
+            </a:r>
+            <a:endParaRPr lang="ru-RU" dirty="0"/>
+          </a:p>
+        </p:txBody>
+      </p:sp>
+      <p:pic>
+        <p:nvPicPr>
+          <p:cNvPr id="5" name="Объект 4">
+            <a:extLst>
+              <a:ext uri="{FF2B5EF4-FFF2-40B4-BE49-F238E27FC236}">
+                <a16:creationId xmlns:a16="http://schemas.microsoft.com/office/drawing/2014/main" id="{C7AB9001-B6C5-40DD-ADAF-0D50C48BC171}"/>
+              </a:ext>
+            </a:extLst>
+          </p:cNvPr>
+          <p:cNvPicPr>
+            <a:picLocks noGrp="1" noChangeAspect="1"/>
+          </p:cNvPicPr>
+          <p:nvPr>
+            <p:ph idx="1"/>
+          </p:nvPr>
+        </p:nvPicPr>
+        <p:blipFill>
+          <a:blip r:embed="rId2"/>
+          <a:stretch>
+            <a:fillRect/>
+          </a:stretch>
+        </p:blipFill>
+        <p:spPr>
+          <a:xfrm>
+            <a:off x="1905000" y="1953419"/>
+            <a:ext cx="8382000" cy="4095750"/>
+          </a:xfrm>
+        </p:spPr>
+      </p:pic>
+    </p:spTree>
+    <p:extLst>
+      <p:ext uri="{BB962C8B-B14F-4D97-AF65-F5344CB8AC3E}">
+        <p14:creationId xmlns:p14="http://schemas.microsoft.com/office/powerpoint/2010/main" val="4073846718"/>
+      </p:ext>
+    </p:extLst>
+  </p:cSld>
+  <p:clrMapOvr>
+    <a:masterClrMapping/>
+  </p:clrMapOvr>
+</p:sld>
+</file>
+
 <file path=ppt/slides/slide2.xml><?xml version="1.0" encoding="utf-8"?>
 <p:sld xmlns:a="http://schemas.openxmlformats.org/drawingml/2006/main" xmlns:r="http://schemas.openxmlformats.org/officeDocument/2006/relationships" xmlns:p="http://schemas.openxmlformats.org/presentationml/2006/main">
   <p:cSld>
@@ -3144,6 +4172,819 @@
     <p:extLst>
       <p:ext uri="{BB962C8B-B14F-4D97-AF65-F5344CB8AC3E}">
         <p14:creationId xmlns:p14="http://schemas.microsoft.com/office/powerpoint/2010/main" val="3445020772"/>
+      </p:ext>
+    </p:extLst>
+  </p:cSld>
+  <p:clrMapOvr>
+    <a:masterClrMapping/>
+  </p:clrMapOvr>
+</p:sld>
+</file>
+
+<file path=ppt/slides/slide20.xml><?xml version="1.0" encoding="utf-8"?>
+<p:sld xmlns:a="http://schemas.openxmlformats.org/drawingml/2006/main" xmlns:r="http://schemas.openxmlformats.org/officeDocument/2006/relationships" xmlns:p="http://schemas.openxmlformats.org/presentationml/2006/main">
+  <p:cSld>
+    <p:spTree>
+      <p:nvGrpSpPr>
+        <p:cNvPr id="1" name=""/>
+        <p:cNvGrpSpPr/>
+        <p:nvPr/>
+      </p:nvGrpSpPr>
+      <p:grpSpPr>
+        <a:xfrm>
+          <a:off x="0" y="0"/>
+          <a:ext cx="0" cy="0"/>
+          <a:chOff x="0" y="0"/>
+          <a:chExt cx="0" cy="0"/>
+        </a:xfrm>
+      </p:grpSpPr>
+      <p:sp>
+        <p:nvSpPr>
+          <p:cNvPr id="2" name="Заголовок 1">
+            <a:extLst>
+              <a:ext uri="{FF2B5EF4-FFF2-40B4-BE49-F238E27FC236}">
+                <a16:creationId xmlns:a16="http://schemas.microsoft.com/office/drawing/2014/main" id="{37B2568D-F678-466E-9B3F-4EFCABF90A6C}"/>
+              </a:ext>
+            </a:extLst>
+          </p:cNvPr>
+          <p:cNvSpPr>
+            <a:spLocks noGrp="1"/>
+          </p:cNvSpPr>
+          <p:nvPr>
+            <p:ph type="title"/>
+          </p:nvPr>
+        </p:nvSpPr>
+        <p:spPr/>
+        <p:txBody>
+          <a:bodyPr/>
+          <a:lstStyle/>
+          <a:p>
+            <a:r>
+              <a:rPr lang="ru-RU" dirty="0">
+                <a:solidFill>
+                  <a:srgbClr val="FFFFFF"/>
+                </a:solidFill>
+                <a:latin typeface="system-ui"/>
+              </a:rPr>
+              <a:t>Нейросеть из одного нейрона.</a:t>
+            </a:r>
+            <a:br>
+              <a:rPr lang="ru-RU" dirty="0">
+                <a:solidFill>
+                  <a:srgbClr val="FFFFFF"/>
+                </a:solidFill>
+                <a:latin typeface="system-ui"/>
+              </a:rPr>
+            </a:br>
+            <a:r>
+              <a:rPr lang="ru-RU" dirty="0">
+                <a:solidFill>
+                  <a:srgbClr val="FFFFFF"/>
+                </a:solidFill>
+                <a:latin typeface="system-ui"/>
+              </a:rPr>
+              <a:t>На что похоже?</a:t>
+            </a:r>
+            <a:endParaRPr lang="ru-RU" dirty="0"/>
+          </a:p>
+        </p:txBody>
+      </p:sp>
+      <p:pic>
+        <p:nvPicPr>
+          <p:cNvPr id="7" name="Объект 6">
+            <a:extLst>
+              <a:ext uri="{FF2B5EF4-FFF2-40B4-BE49-F238E27FC236}">
+                <a16:creationId xmlns:a16="http://schemas.microsoft.com/office/drawing/2014/main" id="{56601854-75A2-4774-8761-7BD4FD8CD901}"/>
+              </a:ext>
+            </a:extLst>
+          </p:cNvPr>
+          <p:cNvPicPr>
+            <a:picLocks noGrp="1" noChangeAspect="1"/>
+          </p:cNvPicPr>
+          <p:nvPr>
+            <p:ph idx="1"/>
+          </p:nvPr>
+        </p:nvPicPr>
+        <p:blipFill>
+          <a:blip r:embed="rId2"/>
+          <a:stretch>
+            <a:fillRect/>
+          </a:stretch>
+        </p:blipFill>
+        <p:spPr>
+          <a:xfrm>
+            <a:off x="838200" y="1888378"/>
+            <a:ext cx="4706123" cy="4351338"/>
+          </a:xfrm>
+        </p:spPr>
+      </p:pic>
+      <p:pic>
+        <p:nvPicPr>
+          <p:cNvPr id="9" name="Рисунок 8">
+            <a:extLst>
+              <a:ext uri="{FF2B5EF4-FFF2-40B4-BE49-F238E27FC236}">
+                <a16:creationId xmlns:a16="http://schemas.microsoft.com/office/drawing/2014/main" id="{D0789152-E1CF-4AE7-BC69-A9DECDEE1717}"/>
+              </a:ext>
+            </a:extLst>
+          </p:cNvPr>
+          <p:cNvPicPr>
+            <a:picLocks noChangeAspect="1"/>
+          </p:cNvPicPr>
+          <p:nvPr/>
+        </p:nvPicPr>
+        <p:blipFill>
+          <a:blip r:embed="rId3"/>
+          <a:stretch>
+            <a:fillRect/>
+          </a:stretch>
+        </p:blipFill>
+        <p:spPr>
+          <a:xfrm>
+            <a:off x="6382024" y="1902947"/>
+            <a:ext cx="4899770" cy="4336770"/>
+          </a:xfrm>
+          <a:prstGeom prst="rect">
+            <a:avLst/>
+          </a:prstGeom>
+        </p:spPr>
+      </p:pic>
+    </p:spTree>
+    <p:extLst>
+      <p:ext uri="{BB962C8B-B14F-4D97-AF65-F5344CB8AC3E}">
+        <p14:creationId xmlns:p14="http://schemas.microsoft.com/office/powerpoint/2010/main" val="3054639045"/>
+      </p:ext>
+    </p:extLst>
+  </p:cSld>
+  <p:clrMapOvr>
+    <a:masterClrMapping/>
+  </p:clrMapOvr>
+</p:sld>
+</file>
+
+<file path=ppt/slides/slide21.xml><?xml version="1.0" encoding="utf-8"?>
+<p:sld xmlns:a="http://schemas.openxmlformats.org/drawingml/2006/main" xmlns:r="http://schemas.openxmlformats.org/officeDocument/2006/relationships" xmlns:p="http://schemas.openxmlformats.org/presentationml/2006/main">
+  <p:cSld>
+    <p:spTree>
+      <p:nvGrpSpPr>
+        <p:cNvPr id="1" name=""/>
+        <p:cNvGrpSpPr/>
+        <p:nvPr/>
+      </p:nvGrpSpPr>
+      <p:grpSpPr>
+        <a:xfrm>
+          <a:off x="0" y="0"/>
+          <a:ext cx="0" cy="0"/>
+          <a:chOff x="0" y="0"/>
+          <a:chExt cx="0" cy="0"/>
+        </a:xfrm>
+      </p:grpSpPr>
+      <p:sp>
+        <p:nvSpPr>
+          <p:cNvPr id="2" name="Заголовок 1">
+            <a:extLst>
+              <a:ext uri="{FF2B5EF4-FFF2-40B4-BE49-F238E27FC236}">
+                <a16:creationId xmlns:a16="http://schemas.microsoft.com/office/drawing/2014/main" id="{37B2568D-F678-466E-9B3F-4EFCABF90A6C}"/>
+              </a:ext>
+            </a:extLst>
+          </p:cNvPr>
+          <p:cNvSpPr>
+            <a:spLocks noGrp="1"/>
+          </p:cNvSpPr>
+          <p:nvPr>
+            <p:ph type="title"/>
+          </p:nvPr>
+        </p:nvSpPr>
+        <p:spPr/>
+        <p:txBody>
+          <a:bodyPr/>
+          <a:lstStyle/>
+          <a:p>
+            <a:r>
+              <a:rPr lang="ru-RU" dirty="0">
+                <a:solidFill>
+                  <a:srgbClr val="FFFFFF"/>
+                </a:solidFill>
+                <a:latin typeface="system-ui"/>
+              </a:rPr>
+              <a:t>Нейросеть из одного нейрона.</a:t>
+            </a:r>
+            <a:br>
+              <a:rPr lang="ru-RU" dirty="0">
+                <a:solidFill>
+                  <a:srgbClr val="FFFFFF"/>
+                </a:solidFill>
+                <a:latin typeface="system-ui"/>
+              </a:rPr>
+            </a:br>
+            <a:r>
+              <a:rPr lang="ru-RU" dirty="0">
+                <a:solidFill>
+                  <a:srgbClr val="FFFFFF"/>
+                </a:solidFill>
+                <a:latin typeface="system-ui"/>
+              </a:rPr>
+              <a:t>На что похоже?</a:t>
+            </a:r>
+            <a:endParaRPr lang="ru-RU" dirty="0"/>
+          </a:p>
+        </p:txBody>
+      </p:sp>
+      <p:pic>
+        <p:nvPicPr>
+          <p:cNvPr id="6" name="Объект 5">
+            <a:extLst>
+              <a:ext uri="{FF2B5EF4-FFF2-40B4-BE49-F238E27FC236}">
+                <a16:creationId xmlns:a16="http://schemas.microsoft.com/office/drawing/2014/main" id="{26864FDD-5822-408A-B4D5-78AD8BF0557F}"/>
+              </a:ext>
+            </a:extLst>
+          </p:cNvPr>
+          <p:cNvPicPr>
+            <a:picLocks noGrp="1" noChangeAspect="1"/>
+          </p:cNvPicPr>
+          <p:nvPr>
+            <p:ph idx="1"/>
+          </p:nvPr>
+        </p:nvPicPr>
+        <p:blipFill>
+          <a:blip r:embed="rId2"/>
+          <a:stretch>
+            <a:fillRect/>
+          </a:stretch>
+        </p:blipFill>
+        <p:spPr>
+          <a:xfrm>
+            <a:off x="3853456" y="1825625"/>
+            <a:ext cx="4485088" cy="4351338"/>
+          </a:xfrm>
+        </p:spPr>
+      </p:pic>
+    </p:spTree>
+    <p:extLst>
+      <p:ext uri="{BB962C8B-B14F-4D97-AF65-F5344CB8AC3E}">
+        <p14:creationId xmlns:p14="http://schemas.microsoft.com/office/powerpoint/2010/main" val="3717125013"/>
+      </p:ext>
+    </p:extLst>
+  </p:cSld>
+  <p:clrMapOvr>
+    <a:masterClrMapping/>
+  </p:clrMapOvr>
+</p:sld>
+</file>
+
+<file path=ppt/slides/slide22.xml><?xml version="1.0" encoding="utf-8"?>
+<p:sld xmlns:a="http://schemas.openxmlformats.org/drawingml/2006/main" xmlns:r="http://schemas.openxmlformats.org/officeDocument/2006/relationships" xmlns:p="http://schemas.openxmlformats.org/presentationml/2006/main">
+  <p:cSld>
+    <p:spTree>
+      <p:nvGrpSpPr>
+        <p:cNvPr id="1" name=""/>
+        <p:cNvGrpSpPr/>
+        <p:nvPr/>
+      </p:nvGrpSpPr>
+      <p:grpSpPr>
+        <a:xfrm>
+          <a:off x="0" y="0"/>
+          <a:ext cx="0" cy="0"/>
+          <a:chOff x="0" y="0"/>
+          <a:chExt cx="0" cy="0"/>
+        </a:xfrm>
+      </p:grpSpPr>
+      <p:sp>
+        <p:nvSpPr>
+          <p:cNvPr id="2" name="Заголовок 1">
+            <a:extLst>
+              <a:ext uri="{FF2B5EF4-FFF2-40B4-BE49-F238E27FC236}">
+                <a16:creationId xmlns:a16="http://schemas.microsoft.com/office/drawing/2014/main" id="{37B2568D-F678-466E-9B3F-4EFCABF90A6C}"/>
+              </a:ext>
+            </a:extLst>
+          </p:cNvPr>
+          <p:cNvSpPr>
+            <a:spLocks noGrp="1"/>
+          </p:cNvSpPr>
+          <p:nvPr>
+            <p:ph type="title"/>
+          </p:nvPr>
+        </p:nvSpPr>
+        <p:spPr/>
+        <p:txBody>
+          <a:bodyPr/>
+          <a:lstStyle/>
+          <a:p>
+            <a:r>
+              <a:rPr lang="ru-RU" dirty="0">
+                <a:solidFill>
+                  <a:srgbClr val="FFFFFF"/>
+                </a:solidFill>
+                <a:latin typeface="system-ui"/>
+              </a:rPr>
+              <a:t>Многослойный перцептрон</a:t>
+            </a:r>
+            <a:endParaRPr lang="ru-RU" dirty="0"/>
+          </a:p>
+        </p:txBody>
+      </p:sp>
+      <p:pic>
+        <p:nvPicPr>
+          <p:cNvPr id="7" name="Объект 6">
+            <a:extLst>
+              <a:ext uri="{FF2B5EF4-FFF2-40B4-BE49-F238E27FC236}">
+                <a16:creationId xmlns:a16="http://schemas.microsoft.com/office/drawing/2014/main" id="{21AA49B8-E75B-4314-B955-1EFEE407D0FB}"/>
+              </a:ext>
+            </a:extLst>
+          </p:cNvPr>
+          <p:cNvPicPr>
+            <a:picLocks noGrp="1" noChangeAspect="1"/>
+          </p:cNvPicPr>
+          <p:nvPr>
+            <p:ph idx="1"/>
+          </p:nvPr>
+        </p:nvPicPr>
+        <p:blipFill>
+          <a:blip r:embed="rId2"/>
+          <a:stretch>
+            <a:fillRect/>
+          </a:stretch>
+        </p:blipFill>
+        <p:spPr>
+          <a:xfrm>
+            <a:off x="3070409" y="1825625"/>
+            <a:ext cx="6051181" cy="4351338"/>
+          </a:xfrm>
+        </p:spPr>
+      </p:pic>
+    </p:spTree>
+    <p:extLst>
+      <p:ext uri="{BB962C8B-B14F-4D97-AF65-F5344CB8AC3E}">
+        <p14:creationId xmlns:p14="http://schemas.microsoft.com/office/powerpoint/2010/main" val="3570280917"/>
+      </p:ext>
+    </p:extLst>
+  </p:cSld>
+  <p:clrMapOvr>
+    <a:masterClrMapping/>
+  </p:clrMapOvr>
+</p:sld>
+</file>
+
+<file path=ppt/slides/slide23.xml><?xml version="1.0" encoding="utf-8"?>
+<p:sld xmlns:a="http://schemas.openxmlformats.org/drawingml/2006/main" xmlns:r="http://schemas.openxmlformats.org/officeDocument/2006/relationships" xmlns:p="http://schemas.openxmlformats.org/presentationml/2006/main">
+  <p:cSld>
+    <p:spTree>
+      <p:nvGrpSpPr>
+        <p:cNvPr id="1" name=""/>
+        <p:cNvGrpSpPr/>
+        <p:nvPr/>
+      </p:nvGrpSpPr>
+      <p:grpSpPr>
+        <a:xfrm>
+          <a:off x="0" y="0"/>
+          <a:ext cx="0" cy="0"/>
+          <a:chOff x="0" y="0"/>
+          <a:chExt cx="0" cy="0"/>
+        </a:xfrm>
+      </p:grpSpPr>
+      <p:sp>
+        <p:nvSpPr>
+          <p:cNvPr id="2" name="Заголовок 1">
+            <a:extLst>
+              <a:ext uri="{FF2B5EF4-FFF2-40B4-BE49-F238E27FC236}">
+                <a16:creationId xmlns:a16="http://schemas.microsoft.com/office/drawing/2014/main" id="{37B2568D-F678-466E-9B3F-4EFCABF90A6C}"/>
+              </a:ext>
+            </a:extLst>
+          </p:cNvPr>
+          <p:cNvSpPr>
+            <a:spLocks noGrp="1"/>
+          </p:cNvSpPr>
+          <p:nvPr>
+            <p:ph type="title"/>
+          </p:nvPr>
+        </p:nvSpPr>
+        <p:spPr/>
+        <p:txBody>
+          <a:bodyPr/>
+          <a:lstStyle/>
+          <a:p>
+            <a:r>
+              <a:rPr lang="ru-RU" dirty="0">
+                <a:solidFill>
+                  <a:srgbClr val="FFFFFF"/>
+                </a:solidFill>
+                <a:latin typeface="system-ui"/>
+              </a:rPr>
+              <a:t>Многослойный перцептрон. Вход</a:t>
+            </a:r>
+            <a:endParaRPr lang="ru-RU" dirty="0"/>
+          </a:p>
+        </p:txBody>
+      </p:sp>
+      <p:pic>
+        <p:nvPicPr>
+          <p:cNvPr id="7" name="Объект 6">
+            <a:extLst>
+              <a:ext uri="{FF2B5EF4-FFF2-40B4-BE49-F238E27FC236}">
+                <a16:creationId xmlns:a16="http://schemas.microsoft.com/office/drawing/2014/main" id="{21AA49B8-E75B-4314-B955-1EFEE407D0FB}"/>
+              </a:ext>
+            </a:extLst>
+          </p:cNvPr>
+          <p:cNvPicPr>
+            <a:picLocks noGrp="1" noChangeAspect="1"/>
+          </p:cNvPicPr>
+          <p:nvPr>
+            <p:ph idx="1"/>
+          </p:nvPr>
+        </p:nvPicPr>
+        <p:blipFill>
+          <a:blip r:embed="rId2"/>
+          <a:stretch>
+            <a:fillRect/>
+          </a:stretch>
+        </p:blipFill>
+        <p:spPr>
+          <a:xfrm>
+            <a:off x="3070409" y="1825625"/>
+            <a:ext cx="6051181" cy="4351338"/>
+          </a:xfrm>
+        </p:spPr>
+      </p:pic>
+    </p:spTree>
+    <p:extLst>
+      <p:ext uri="{BB962C8B-B14F-4D97-AF65-F5344CB8AC3E}">
+        <p14:creationId xmlns:p14="http://schemas.microsoft.com/office/powerpoint/2010/main" val="1828384503"/>
+      </p:ext>
+    </p:extLst>
+  </p:cSld>
+  <p:clrMapOvr>
+    <a:masterClrMapping/>
+  </p:clrMapOvr>
+</p:sld>
+</file>
+
+<file path=ppt/slides/slide24.xml><?xml version="1.0" encoding="utf-8"?>
+<p:sld xmlns:a="http://schemas.openxmlformats.org/drawingml/2006/main" xmlns:r="http://schemas.openxmlformats.org/officeDocument/2006/relationships" xmlns:p="http://schemas.openxmlformats.org/presentationml/2006/main">
+  <p:cSld>
+    <p:spTree>
+      <p:nvGrpSpPr>
+        <p:cNvPr id="1" name=""/>
+        <p:cNvGrpSpPr/>
+        <p:nvPr/>
+      </p:nvGrpSpPr>
+      <p:grpSpPr>
+        <a:xfrm>
+          <a:off x="0" y="0"/>
+          <a:ext cx="0" cy="0"/>
+          <a:chOff x="0" y="0"/>
+          <a:chExt cx="0" cy="0"/>
+        </a:xfrm>
+      </p:grpSpPr>
+      <p:sp>
+        <p:nvSpPr>
+          <p:cNvPr id="2" name="Заголовок 1">
+            <a:extLst>
+              <a:ext uri="{FF2B5EF4-FFF2-40B4-BE49-F238E27FC236}">
+                <a16:creationId xmlns:a16="http://schemas.microsoft.com/office/drawing/2014/main" id="{37B2568D-F678-466E-9B3F-4EFCABF90A6C}"/>
+              </a:ext>
+            </a:extLst>
+          </p:cNvPr>
+          <p:cNvSpPr>
+            <a:spLocks noGrp="1"/>
+          </p:cNvSpPr>
+          <p:nvPr>
+            <p:ph type="title"/>
+          </p:nvPr>
+        </p:nvSpPr>
+        <p:spPr/>
+        <p:txBody>
+          <a:bodyPr/>
+          <a:lstStyle/>
+          <a:p>
+            <a:r>
+              <a:rPr lang="ru-RU" dirty="0">
+                <a:solidFill>
+                  <a:srgbClr val="FFFFFF"/>
+                </a:solidFill>
+                <a:latin typeface="system-ui"/>
+              </a:rPr>
+              <a:t>Многослойный перцептрон. Скрытые слои</a:t>
+            </a:r>
+            <a:endParaRPr lang="ru-RU" dirty="0"/>
+          </a:p>
+        </p:txBody>
+      </p:sp>
+      <p:pic>
+        <p:nvPicPr>
+          <p:cNvPr id="7" name="Объект 6">
+            <a:extLst>
+              <a:ext uri="{FF2B5EF4-FFF2-40B4-BE49-F238E27FC236}">
+                <a16:creationId xmlns:a16="http://schemas.microsoft.com/office/drawing/2014/main" id="{21AA49B8-E75B-4314-B955-1EFEE407D0FB}"/>
+              </a:ext>
+            </a:extLst>
+          </p:cNvPr>
+          <p:cNvPicPr>
+            <a:picLocks noGrp="1" noChangeAspect="1"/>
+          </p:cNvPicPr>
+          <p:nvPr>
+            <p:ph idx="1"/>
+          </p:nvPr>
+        </p:nvPicPr>
+        <p:blipFill>
+          <a:blip r:embed="rId2"/>
+          <a:stretch>
+            <a:fillRect/>
+          </a:stretch>
+        </p:blipFill>
+        <p:spPr>
+          <a:xfrm>
+            <a:off x="3070409" y="1825625"/>
+            <a:ext cx="6051181" cy="4351338"/>
+          </a:xfrm>
+        </p:spPr>
+      </p:pic>
+    </p:spTree>
+    <p:extLst>
+      <p:ext uri="{BB962C8B-B14F-4D97-AF65-F5344CB8AC3E}">
+        <p14:creationId xmlns:p14="http://schemas.microsoft.com/office/powerpoint/2010/main" val="4291368131"/>
+      </p:ext>
+    </p:extLst>
+  </p:cSld>
+  <p:clrMapOvr>
+    <a:masterClrMapping/>
+  </p:clrMapOvr>
+</p:sld>
+</file>
+
+<file path=ppt/slides/slide25.xml><?xml version="1.0" encoding="utf-8"?>
+<p:sld xmlns:a="http://schemas.openxmlformats.org/drawingml/2006/main" xmlns:r="http://schemas.openxmlformats.org/officeDocument/2006/relationships" xmlns:p="http://schemas.openxmlformats.org/presentationml/2006/main">
+  <p:cSld>
+    <p:spTree>
+      <p:nvGrpSpPr>
+        <p:cNvPr id="1" name=""/>
+        <p:cNvGrpSpPr/>
+        <p:nvPr/>
+      </p:nvGrpSpPr>
+      <p:grpSpPr>
+        <a:xfrm>
+          <a:off x="0" y="0"/>
+          <a:ext cx="0" cy="0"/>
+          <a:chOff x="0" y="0"/>
+          <a:chExt cx="0" cy="0"/>
+        </a:xfrm>
+      </p:grpSpPr>
+      <p:sp>
+        <p:nvSpPr>
+          <p:cNvPr id="2" name="Заголовок 1">
+            <a:extLst>
+              <a:ext uri="{FF2B5EF4-FFF2-40B4-BE49-F238E27FC236}">
+                <a16:creationId xmlns:a16="http://schemas.microsoft.com/office/drawing/2014/main" id="{37B2568D-F678-466E-9B3F-4EFCABF90A6C}"/>
+              </a:ext>
+            </a:extLst>
+          </p:cNvPr>
+          <p:cNvSpPr>
+            <a:spLocks noGrp="1"/>
+          </p:cNvSpPr>
+          <p:nvPr>
+            <p:ph type="title"/>
+          </p:nvPr>
+        </p:nvSpPr>
+        <p:spPr/>
+        <p:txBody>
+          <a:bodyPr/>
+          <a:lstStyle/>
+          <a:p>
+            <a:r>
+              <a:rPr lang="ru-RU" dirty="0">
+                <a:solidFill>
+                  <a:srgbClr val="FFFFFF"/>
+                </a:solidFill>
+                <a:latin typeface="system-ui"/>
+              </a:rPr>
+              <a:t>Многослойный перцептрон. Выход</a:t>
+            </a:r>
+            <a:endParaRPr lang="ru-RU" dirty="0"/>
+          </a:p>
+        </p:txBody>
+      </p:sp>
+      <p:pic>
+        <p:nvPicPr>
+          <p:cNvPr id="7" name="Объект 6">
+            <a:extLst>
+              <a:ext uri="{FF2B5EF4-FFF2-40B4-BE49-F238E27FC236}">
+                <a16:creationId xmlns:a16="http://schemas.microsoft.com/office/drawing/2014/main" id="{21AA49B8-E75B-4314-B955-1EFEE407D0FB}"/>
+              </a:ext>
+            </a:extLst>
+          </p:cNvPr>
+          <p:cNvPicPr>
+            <a:picLocks noGrp="1" noChangeAspect="1"/>
+          </p:cNvPicPr>
+          <p:nvPr>
+            <p:ph idx="1"/>
+          </p:nvPr>
+        </p:nvPicPr>
+        <p:blipFill>
+          <a:blip r:embed="rId2"/>
+          <a:stretch>
+            <a:fillRect/>
+          </a:stretch>
+        </p:blipFill>
+        <p:spPr>
+          <a:xfrm>
+            <a:off x="3070409" y="1825625"/>
+            <a:ext cx="6051181" cy="4351338"/>
+          </a:xfrm>
+        </p:spPr>
+      </p:pic>
+    </p:spTree>
+    <p:extLst>
+      <p:ext uri="{BB962C8B-B14F-4D97-AF65-F5344CB8AC3E}">
+        <p14:creationId xmlns:p14="http://schemas.microsoft.com/office/powerpoint/2010/main" val="2650861101"/>
+      </p:ext>
+    </p:extLst>
+  </p:cSld>
+  <p:clrMapOvr>
+    <a:masterClrMapping/>
+  </p:clrMapOvr>
+</p:sld>
+</file>
+
+<file path=ppt/slides/slide26.xml><?xml version="1.0" encoding="utf-8"?>
+<p:sld xmlns:a="http://schemas.openxmlformats.org/drawingml/2006/main" xmlns:r="http://schemas.openxmlformats.org/officeDocument/2006/relationships" xmlns:p="http://schemas.openxmlformats.org/presentationml/2006/main">
+  <p:cSld>
+    <p:spTree>
+      <p:nvGrpSpPr>
+        <p:cNvPr id="1" name=""/>
+        <p:cNvGrpSpPr/>
+        <p:nvPr/>
+      </p:nvGrpSpPr>
+      <p:grpSpPr>
+        <a:xfrm>
+          <a:off x="0" y="0"/>
+          <a:ext cx="0" cy="0"/>
+          <a:chOff x="0" y="0"/>
+          <a:chExt cx="0" cy="0"/>
+        </a:xfrm>
+      </p:grpSpPr>
+      <p:sp>
+        <p:nvSpPr>
+          <p:cNvPr id="2" name="Заголовок 1">
+            <a:extLst>
+              <a:ext uri="{FF2B5EF4-FFF2-40B4-BE49-F238E27FC236}">
+                <a16:creationId xmlns:a16="http://schemas.microsoft.com/office/drawing/2014/main" id="{37B2568D-F678-466E-9B3F-4EFCABF90A6C}"/>
+              </a:ext>
+            </a:extLst>
+          </p:cNvPr>
+          <p:cNvSpPr>
+            <a:spLocks noGrp="1"/>
+          </p:cNvSpPr>
+          <p:nvPr>
+            <p:ph type="title"/>
+          </p:nvPr>
+        </p:nvSpPr>
+        <p:spPr/>
+        <p:txBody>
+          <a:bodyPr/>
+          <a:lstStyle/>
+          <a:p>
+            <a:r>
+              <a:rPr lang="ru-RU" dirty="0">
+                <a:solidFill>
+                  <a:srgbClr val="FFFFFF"/>
+                </a:solidFill>
+                <a:latin typeface="system-ui"/>
+              </a:rPr>
+              <a:t>Многослойный перцептрон. Обучение</a:t>
+            </a:r>
+            <a:endParaRPr lang="ru-RU" dirty="0"/>
+          </a:p>
+        </p:txBody>
+      </p:sp>
+      <p:pic>
+        <p:nvPicPr>
+          <p:cNvPr id="7" name="Объект 6">
+            <a:extLst>
+              <a:ext uri="{FF2B5EF4-FFF2-40B4-BE49-F238E27FC236}">
+                <a16:creationId xmlns:a16="http://schemas.microsoft.com/office/drawing/2014/main" id="{21AA49B8-E75B-4314-B955-1EFEE407D0FB}"/>
+              </a:ext>
+            </a:extLst>
+          </p:cNvPr>
+          <p:cNvPicPr>
+            <a:picLocks noGrp="1" noChangeAspect="1"/>
+          </p:cNvPicPr>
+          <p:nvPr>
+            <p:ph idx="1"/>
+          </p:nvPr>
+        </p:nvPicPr>
+        <p:blipFill>
+          <a:blip r:embed="rId2"/>
+          <a:stretch>
+            <a:fillRect/>
+          </a:stretch>
+        </p:blipFill>
+        <p:spPr>
+          <a:xfrm>
+            <a:off x="3070409" y="1825625"/>
+            <a:ext cx="6051181" cy="4351338"/>
+          </a:xfrm>
+        </p:spPr>
+      </p:pic>
+    </p:spTree>
+    <p:extLst>
+      <p:ext uri="{BB962C8B-B14F-4D97-AF65-F5344CB8AC3E}">
+        <p14:creationId xmlns:p14="http://schemas.microsoft.com/office/powerpoint/2010/main" val="1374894608"/>
+      </p:ext>
+    </p:extLst>
+  </p:cSld>
+  <p:clrMapOvr>
+    <a:masterClrMapping/>
+  </p:clrMapOvr>
+</p:sld>
+</file>
+
+<file path=ppt/slides/slide27.xml><?xml version="1.0" encoding="utf-8"?>
+<p:sld xmlns:a="http://schemas.openxmlformats.org/drawingml/2006/main" xmlns:r="http://schemas.openxmlformats.org/officeDocument/2006/relationships" xmlns:p="http://schemas.openxmlformats.org/presentationml/2006/main">
+  <p:cSld>
+    <p:spTree>
+      <p:nvGrpSpPr>
+        <p:cNvPr id="1" name=""/>
+        <p:cNvGrpSpPr/>
+        <p:nvPr/>
+      </p:nvGrpSpPr>
+      <p:grpSpPr>
+        <a:xfrm>
+          <a:off x="0" y="0"/>
+          <a:ext cx="0" cy="0"/>
+          <a:chOff x="0" y="0"/>
+          <a:chExt cx="0" cy="0"/>
+        </a:xfrm>
+      </p:grpSpPr>
+      <p:sp>
+        <p:nvSpPr>
+          <p:cNvPr id="2" name="Заголовок 1">
+            <a:extLst>
+              <a:ext uri="{FF2B5EF4-FFF2-40B4-BE49-F238E27FC236}">
+                <a16:creationId xmlns:a16="http://schemas.microsoft.com/office/drawing/2014/main" id="{37B2568D-F678-466E-9B3F-4EFCABF90A6C}"/>
+              </a:ext>
+            </a:extLst>
+          </p:cNvPr>
+          <p:cNvSpPr>
+            <a:spLocks noGrp="1"/>
+          </p:cNvSpPr>
+          <p:nvPr>
+            <p:ph type="title"/>
+          </p:nvPr>
+        </p:nvSpPr>
+        <p:spPr/>
+        <p:txBody>
+          <a:bodyPr/>
+          <a:lstStyle/>
+          <a:p>
+            <a:r>
+              <a:rPr lang="ru-RU" dirty="0">
+                <a:solidFill>
+                  <a:srgbClr val="FFFFFF"/>
+                </a:solidFill>
+                <a:latin typeface="system-ui"/>
+              </a:rPr>
+              <a:t>Многослойный перцептрон</a:t>
+            </a:r>
+            <a:endParaRPr lang="ru-RU" dirty="0"/>
+          </a:p>
+        </p:txBody>
+      </p:sp>
+      <p:sp>
+        <p:nvSpPr>
+          <p:cNvPr id="4" name="Объект 3">
+            <a:extLst>
+              <a:ext uri="{FF2B5EF4-FFF2-40B4-BE49-F238E27FC236}">
+                <a16:creationId xmlns:a16="http://schemas.microsoft.com/office/drawing/2014/main" id="{15BBD882-F393-4A8D-B14F-92C0639A0867}"/>
+              </a:ext>
+            </a:extLst>
+          </p:cNvPr>
+          <p:cNvSpPr>
+            <a:spLocks noGrp="1"/>
+          </p:cNvSpPr>
+          <p:nvPr>
+            <p:ph idx="1"/>
+          </p:nvPr>
+        </p:nvSpPr>
+        <p:spPr/>
+        <p:txBody>
+          <a:bodyPr/>
+          <a:lstStyle/>
+          <a:p>
+            <a:r>
+              <a:rPr lang="en-US" dirty="0">
+                <a:hlinkClick r:id="rId2"/>
+              </a:rPr>
+              <a:t>https://playground.tensorflow.org/</a:t>
+            </a:r>
+            <a:endParaRPr lang="ru-RU" dirty="0"/>
+          </a:p>
+          <a:p>
+            <a:endParaRPr lang="ru-RU" dirty="0"/>
+          </a:p>
+        </p:txBody>
+      </p:sp>
+    </p:spTree>
+    <p:extLst>
+      <p:ext uri="{BB962C8B-B14F-4D97-AF65-F5344CB8AC3E}">
+        <p14:creationId xmlns:p14="http://schemas.microsoft.com/office/powerpoint/2010/main" val="3177346668"/>
       </p:ext>
     </p:extLst>
   </p:cSld>
@@ -3562,6 +5403,13 @@
               <a:rPr lang="ru-RU" dirty="0"/>
               <a:t>Орел или попугай?</a:t>
             </a:r>
+            <a:endParaRPr lang="en-US" dirty="0"/>
+          </a:p>
+          <a:p>
+            <a:r>
+              <a:rPr lang="ru-RU" dirty="0"/>
+              <a:t>Что еще можно добавить?</a:t>
+            </a:r>
           </a:p>
         </p:txBody>
       </p:sp>
@@ -3736,6 +5584,111 @@
                 </a:solidFill>
                 <a:latin typeface="system-ui"/>
               </a:rPr>
+              <a:t>Логистическая регрессия</a:t>
+            </a:r>
+            <a:endParaRPr lang="ru-RU" dirty="0"/>
+          </a:p>
+        </p:txBody>
+      </p:sp>
+      <p:sp>
+        <p:nvSpPr>
+          <p:cNvPr id="3" name="Объект 2">
+            <a:extLst>
+              <a:ext uri="{FF2B5EF4-FFF2-40B4-BE49-F238E27FC236}">
+                <a16:creationId xmlns:a16="http://schemas.microsoft.com/office/drawing/2014/main" id="{2F321D65-DB1A-4BE8-A5C1-71AC7E1A1B29}"/>
+              </a:ext>
+            </a:extLst>
+          </p:cNvPr>
+          <p:cNvSpPr>
+            <a:spLocks noGrp="1"/>
+          </p:cNvSpPr>
+          <p:nvPr>
+            <p:ph idx="1"/>
+          </p:nvPr>
+        </p:nvSpPr>
+        <p:spPr/>
+        <p:txBody>
+          <a:bodyPr/>
+          <a:lstStyle/>
+          <a:p>
+            <a:pPr marL="0" indent="0">
+              <a:buNone/>
+            </a:pPr>
+            <a:r>
+              <a:rPr lang="en-US" dirty="0"/>
+              <a:t>w1*x1 + w2*x2 + b = z</a:t>
+            </a:r>
+          </a:p>
+          <a:p>
+            <a:pPr marL="0" indent="0">
+              <a:buNone/>
+            </a:pPr>
+            <a:r>
+              <a:rPr lang="en-US" dirty="0"/>
+              <a:t>x2 = - (z + w1*x1 + b) / w2</a:t>
+            </a:r>
+            <a:endParaRPr lang="ru-RU" dirty="0"/>
+          </a:p>
+        </p:txBody>
+      </p:sp>
+    </p:spTree>
+    <p:extLst>
+      <p:ext uri="{BB962C8B-B14F-4D97-AF65-F5344CB8AC3E}">
+        <p14:creationId xmlns:p14="http://schemas.microsoft.com/office/powerpoint/2010/main" val="1470377046"/>
+      </p:ext>
+    </p:extLst>
+  </p:cSld>
+  <p:clrMapOvr>
+    <a:masterClrMapping/>
+  </p:clrMapOvr>
+</p:sld>
+</file>
+
+<file path=ppt/slides/slide9.xml><?xml version="1.0" encoding="utf-8"?>
+<p:sld xmlns:a="http://schemas.openxmlformats.org/drawingml/2006/main" xmlns:r="http://schemas.openxmlformats.org/officeDocument/2006/relationships" xmlns:p="http://schemas.openxmlformats.org/presentationml/2006/main">
+  <p:cSld>
+    <p:spTree>
+      <p:nvGrpSpPr>
+        <p:cNvPr id="1" name=""/>
+        <p:cNvGrpSpPr/>
+        <p:nvPr/>
+      </p:nvGrpSpPr>
+      <p:grpSpPr>
+        <a:xfrm>
+          <a:off x="0" y="0"/>
+          <a:ext cx="0" cy="0"/>
+          <a:chOff x="0" y="0"/>
+          <a:chExt cx="0" cy="0"/>
+        </a:xfrm>
+      </p:grpSpPr>
+      <p:sp>
+        <p:nvSpPr>
+          <p:cNvPr id="2" name="Заголовок 1">
+            <a:extLst>
+              <a:ext uri="{FF2B5EF4-FFF2-40B4-BE49-F238E27FC236}">
+                <a16:creationId xmlns:a16="http://schemas.microsoft.com/office/drawing/2014/main" id="{37B2568D-F678-466E-9B3F-4EFCABF90A6C}"/>
+              </a:ext>
+            </a:extLst>
+          </p:cNvPr>
+          <p:cNvSpPr>
+            <a:spLocks noGrp="1"/>
+          </p:cNvSpPr>
+          <p:nvPr>
+            <p:ph type="title"/>
+          </p:nvPr>
+        </p:nvSpPr>
+        <p:spPr/>
+        <p:txBody>
+          <a:bodyPr/>
+          <a:lstStyle/>
+          <a:p>
+            <a:r>
+              <a:rPr lang="ru-RU" dirty="0">
+                <a:solidFill>
+                  <a:srgbClr val="FFFFFF"/>
+                </a:solidFill>
+                <a:latin typeface="system-ui"/>
+              </a:rPr>
               <a:t>Логистическая регрессия </a:t>
             </a:r>
             <a:r>
@@ -3781,7 +5734,10 @@
           <a:bodyPr/>
           <a:lstStyle/>
           <a:p>
-            <a:endParaRPr lang="ru-RU"/>
+            <a:r>
+              <a:rPr lang="ru-RU" dirty="0"/>
+              <a:t>Что точнее?</a:t>
+            </a:r>
           </a:p>
         </p:txBody>
       </p:sp>

--- a/ai_classification/classification.pptx
+++ b/ai_classification/classification.pptx
@@ -21,17 +21,16 @@
     <p:sldId id="270" r:id="rId15"/>
     <p:sldId id="271" r:id="rId16"/>
     <p:sldId id="268" r:id="rId17"/>
-    <p:sldId id="272" r:id="rId18"/>
-    <p:sldId id="273" r:id="rId19"/>
-    <p:sldId id="274" r:id="rId20"/>
-    <p:sldId id="275" r:id="rId21"/>
-    <p:sldId id="276" r:id="rId22"/>
-    <p:sldId id="277" r:id="rId23"/>
-    <p:sldId id="279" r:id="rId24"/>
-    <p:sldId id="280" r:id="rId25"/>
-    <p:sldId id="281" r:id="rId26"/>
-    <p:sldId id="278" r:id="rId27"/>
-    <p:sldId id="282" r:id="rId28"/>
+    <p:sldId id="273" r:id="rId18"/>
+    <p:sldId id="274" r:id="rId19"/>
+    <p:sldId id="275" r:id="rId20"/>
+    <p:sldId id="276" r:id="rId21"/>
+    <p:sldId id="277" r:id="rId22"/>
+    <p:sldId id="279" r:id="rId23"/>
+    <p:sldId id="280" r:id="rId24"/>
+    <p:sldId id="281" r:id="rId25"/>
+    <p:sldId id="278" r:id="rId26"/>
+    <p:sldId id="282" r:id="rId27"/>
   </p:sldIdLst>
   <p:sldSz cx="12192000" cy="6858000"/>
   <p:notesSz cx="6858000" cy="9144000"/>
@@ -3803,99 +3802,6 @@
           </a:p>
         </p:txBody>
       </p:sp>
-      <p:pic>
-        <p:nvPicPr>
-          <p:cNvPr id="7" name="Объект 6">
-            <a:extLst>
-              <a:ext uri="{FF2B5EF4-FFF2-40B4-BE49-F238E27FC236}">
-                <a16:creationId xmlns:a16="http://schemas.microsoft.com/office/drawing/2014/main" id="{21AA49B8-E75B-4314-B955-1EFEE407D0FB}"/>
-              </a:ext>
-            </a:extLst>
-          </p:cNvPr>
-          <p:cNvPicPr>
-            <a:picLocks noGrp="1" noChangeAspect="1"/>
-          </p:cNvPicPr>
-          <p:nvPr>
-            <p:ph idx="1"/>
-          </p:nvPr>
-        </p:nvPicPr>
-        <p:blipFill>
-          <a:blip r:embed="rId2"/>
-          <a:stretch>
-            <a:fillRect/>
-          </a:stretch>
-        </p:blipFill>
-        <p:spPr>
-          <a:xfrm>
-            <a:off x="3070409" y="1825625"/>
-            <a:ext cx="6051181" cy="4351338"/>
-          </a:xfrm>
-        </p:spPr>
-      </p:pic>
-    </p:spTree>
-    <p:extLst>
-      <p:ext uri="{BB962C8B-B14F-4D97-AF65-F5344CB8AC3E}">
-        <p14:creationId xmlns:p14="http://schemas.microsoft.com/office/powerpoint/2010/main" val="4172930569"/>
-      </p:ext>
-    </p:extLst>
-  </p:cSld>
-  <p:clrMapOvr>
-    <a:masterClrMapping/>
-  </p:clrMapOvr>
-</p:sld>
-</file>
-
-<file path=ppt/slides/slide18.xml><?xml version="1.0" encoding="utf-8"?>
-<p:sld xmlns:a="http://schemas.openxmlformats.org/drawingml/2006/main" xmlns:r="http://schemas.openxmlformats.org/officeDocument/2006/relationships" xmlns:p="http://schemas.openxmlformats.org/presentationml/2006/main">
-  <p:cSld>
-    <p:spTree>
-      <p:nvGrpSpPr>
-        <p:cNvPr id="1" name=""/>
-        <p:cNvGrpSpPr/>
-        <p:nvPr/>
-      </p:nvGrpSpPr>
-      <p:grpSpPr>
-        <a:xfrm>
-          <a:off x="0" y="0"/>
-          <a:ext cx="0" cy="0"/>
-          <a:chOff x="0" y="0"/>
-          <a:chExt cx="0" cy="0"/>
-        </a:xfrm>
-      </p:grpSpPr>
-      <p:sp>
-        <p:nvSpPr>
-          <p:cNvPr id="2" name="Заголовок 1">
-            <a:extLst>
-              <a:ext uri="{FF2B5EF4-FFF2-40B4-BE49-F238E27FC236}">
-                <a16:creationId xmlns:a16="http://schemas.microsoft.com/office/drawing/2014/main" id="{37B2568D-F678-466E-9B3F-4EFCABF90A6C}"/>
-              </a:ext>
-            </a:extLst>
-          </p:cNvPr>
-          <p:cNvSpPr>
-            <a:spLocks noGrp="1"/>
-          </p:cNvSpPr>
-          <p:nvPr>
-            <p:ph type="title"/>
-          </p:nvPr>
-        </p:nvSpPr>
-        <p:spPr/>
-        <p:txBody>
-          <a:bodyPr/>
-          <a:lstStyle/>
-          <a:p>
-            <a:r>
-              <a:rPr lang="ru-RU" dirty="0">
-                <a:solidFill>
-                  <a:srgbClr val="FFFFFF"/>
-                </a:solidFill>
-                <a:latin typeface="system-ui"/>
-              </a:rPr>
-              <a:t>Нейросети</a:t>
-            </a:r>
-            <a:endParaRPr lang="ru-RU" dirty="0"/>
-          </a:p>
-        </p:txBody>
-      </p:sp>
       <p:sp>
         <p:nvSpPr>
           <p:cNvPr id="4" name="Объект 3">
@@ -3964,7 +3870,7 @@
 </p:sld>
 </file>
 
-<file path=ppt/slides/slide19.xml><?xml version="1.0" encoding="utf-8"?>
+<file path=ppt/slides/slide18.xml><?xml version="1.0" encoding="utf-8"?>
 <p:sld xmlns:a="http://schemas.openxmlformats.org/drawingml/2006/main" xmlns:r="http://schemas.openxmlformats.org/officeDocument/2006/relationships" xmlns:p="http://schemas.openxmlformats.org/presentationml/2006/main">
   <p:cSld>
     <p:spTree>
@@ -4065,6 +3971,146 @@
     <p:extLst>
       <p:ext uri="{BB962C8B-B14F-4D97-AF65-F5344CB8AC3E}">
         <p14:creationId xmlns:p14="http://schemas.microsoft.com/office/powerpoint/2010/main" val="4073846718"/>
+      </p:ext>
+    </p:extLst>
+  </p:cSld>
+  <p:clrMapOvr>
+    <a:masterClrMapping/>
+  </p:clrMapOvr>
+</p:sld>
+</file>
+
+<file path=ppt/slides/slide19.xml><?xml version="1.0" encoding="utf-8"?>
+<p:sld xmlns:a="http://schemas.openxmlformats.org/drawingml/2006/main" xmlns:r="http://schemas.openxmlformats.org/officeDocument/2006/relationships" xmlns:p="http://schemas.openxmlformats.org/presentationml/2006/main">
+  <p:cSld>
+    <p:spTree>
+      <p:nvGrpSpPr>
+        <p:cNvPr id="1" name=""/>
+        <p:cNvGrpSpPr/>
+        <p:nvPr/>
+      </p:nvGrpSpPr>
+      <p:grpSpPr>
+        <a:xfrm>
+          <a:off x="0" y="0"/>
+          <a:ext cx="0" cy="0"/>
+          <a:chOff x="0" y="0"/>
+          <a:chExt cx="0" cy="0"/>
+        </a:xfrm>
+      </p:grpSpPr>
+      <p:sp>
+        <p:nvSpPr>
+          <p:cNvPr id="2" name="Заголовок 1">
+            <a:extLst>
+              <a:ext uri="{FF2B5EF4-FFF2-40B4-BE49-F238E27FC236}">
+                <a16:creationId xmlns:a16="http://schemas.microsoft.com/office/drawing/2014/main" id="{37B2568D-F678-466E-9B3F-4EFCABF90A6C}"/>
+              </a:ext>
+            </a:extLst>
+          </p:cNvPr>
+          <p:cNvSpPr>
+            <a:spLocks noGrp="1"/>
+          </p:cNvSpPr>
+          <p:nvPr>
+            <p:ph type="title"/>
+          </p:nvPr>
+        </p:nvSpPr>
+        <p:spPr/>
+        <p:txBody>
+          <a:bodyPr/>
+          <a:lstStyle/>
+          <a:p>
+            <a:r>
+              <a:rPr lang="ru-RU" dirty="0">
+                <a:solidFill>
+                  <a:srgbClr val="FFFFFF"/>
+                </a:solidFill>
+                <a:latin typeface="system-ui"/>
+              </a:rPr>
+              <a:t>Нейросеть из одного нейрона.</a:t>
+            </a:r>
+            <a:br>
+              <a:rPr lang="ru-RU" dirty="0">
+                <a:solidFill>
+                  <a:srgbClr val="FFFFFF"/>
+                </a:solidFill>
+                <a:latin typeface="system-ui"/>
+              </a:rPr>
+            </a:br>
+            <a:r>
+              <a:rPr lang="ru-RU" dirty="0">
+                <a:solidFill>
+                  <a:srgbClr val="FFFFFF"/>
+                </a:solidFill>
+                <a:latin typeface="system-ui"/>
+              </a:rPr>
+              <a:t>На что похоже?</a:t>
+            </a:r>
+            <a:endParaRPr lang="ru-RU" dirty="0"/>
+          </a:p>
+        </p:txBody>
+      </p:sp>
+      <p:pic>
+        <p:nvPicPr>
+          <p:cNvPr id="7" name="Объект 6">
+            <a:extLst>
+              <a:ext uri="{FF2B5EF4-FFF2-40B4-BE49-F238E27FC236}">
+                <a16:creationId xmlns:a16="http://schemas.microsoft.com/office/drawing/2014/main" id="{56601854-75A2-4774-8761-7BD4FD8CD901}"/>
+              </a:ext>
+            </a:extLst>
+          </p:cNvPr>
+          <p:cNvPicPr>
+            <a:picLocks noGrp="1" noChangeAspect="1"/>
+          </p:cNvPicPr>
+          <p:nvPr>
+            <p:ph idx="1"/>
+          </p:nvPr>
+        </p:nvPicPr>
+        <p:blipFill>
+          <a:blip r:embed="rId2"/>
+          <a:stretch>
+            <a:fillRect/>
+          </a:stretch>
+        </p:blipFill>
+        <p:spPr>
+          <a:xfrm>
+            <a:off x="838200" y="1888378"/>
+            <a:ext cx="4706123" cy="4351338"/>
+          </a:xfrm>
+        </p:spPr>
+      </p:pic>
+      <p:pic>
+        <p:nvPicPr>
+          <p:cNvPr id="9" name="Рисунок 8">
+            <a:extLst>
+              <a:ext uri="{FF2B5EF4-FFF2-40B4-BE49-F238E27FC236}">
+                <a16:creationId xmlns:a16="http://schemas.microsoft.com/office/drawing/2014/main" id="{D0789152-E1CF-4AE7-BC69-A9DECDEE1717}"/>
+              </a:ext>
+            </a:extLst>
+          </p:cNvPr>
+          <p:cNvPicPr>
+            <a:picLocks noChangeAspect="1"/>
+          </p:cNvPicPr>
+          <p:nvPr/>
+        </p:nvPicPr>
+        <p:blipFill>
+          <a:blip r:embed="rId3"/>
+          <a:stretch>
+            <a:fillRect/>
+          </a:stretch>
+        </p:blipFill>
+        <p:spPr>
+          <a:xfrm>
+            <a:off x="6382024" y="1902947"/>
+            <a:ext cx="4899770" cy="4336770"/>
+          </a:xfrm>
+          <a:prstGeom prst="rect">
+            <a:avLst/>
+          </a:prstGeom>
+        </p:spPr>
+      </p:pic>
+    </p:spTree>
+    <p:extLst>
+      <p:ext uri="{BB962C8B-B14F-4D97-AF65-F5344CB8AC3E}">
+        <p14:creationId xmlns:p14="http://schemas.microsoft.com/office/powerpoint/2010/main" val="3054639045"/>
       </p:ext>
     </p:extLst>
   </p:cSld>
@@ -4251,146 +4297,6 @@
       </p:sp>
       <p:pic>
         <p:nvPicPr>
-          <p:cNvPr id="7" name="Объект 6">
-            <a:extLst>
-              <a:ext uri="{FF2B5EF4-FFF2-40B4-BE49-F238E27FC236}">
-                <a16:creationId xmlns:a16="http://schemas.microsoft.com/office/drawing/2014/main" id="{56601854-75A2-4774-8761-7BD4FD8CD901}"/>
-              </a:ext>
-            </a:extLst>
-          </p:cNvPr>
-          <p:cNvPicPr>
-            <a:picLocks noGrp="1" noChangeAspect="1"/>
-          </p:cNvPicPr>
-          <p:nvPr>
-            <p:ph idx="1"/>
-          </p:nvPr>
-        </p:nvPicPr>
-        <p:blipFill>
-          <a:blip r:embed="rId2"/>
-          <a:stretch>
-            <a:fillRect/>
-          </a:stretch>
-        </p:blipFill>
-        <p:spPr>
-          <a:xfrm>
-            <a:off x="838200" y="1888378"/>
-            <a:ext cx="4706123" cy="4351338"/>
-          </a:xfrm>
-        </p:spPr>
-      </p:pic>
-      <p:pic>
-        <p:nvPicPr>
-          <p:cNvPr id="9" name="Рисунок 8">
-            <a:extLst>
-              <a:ext uri="{FF2B5EF4-FFF2-40B4-BE49-F238E27FC236}">
-                <a16:creationId xmlns:a16="http://schemas.microsoft.com/office/drawing/2014/main" id="{D0789152-E1CF-4AE7-BC69-A9DECDEE1717}"/>
-              </a:ext>
-            </a:extLst>
-          </p:cNvPr>
-          <p:cNvPicPr>
-            <a:picLocks noChangeAspect="1"/>
-          </p:cNvPicPr>
-          <p:nvPr/>
-        </p:nvPicPr>
-        <p:blipFill>
-          <a:blip r:embed="rId3"/>
-          <a:stretch>
-            <a:fillRect/>
-          </a:stretch>
-        </p:blipFill>
-        <p:spPr>
-          <a:xfrm>
-            <a:off x="6382024" y="1902947"/>
-            <a:ext cx="4899770" cy="4336770"/>
-          </a:xfrm>
-          <a:prstGeom prst="rect">
-            <a:avLst/>
-          </a:prstGeom>
-        </p:spPr>
-      </p:pic>
-    </p:spTree>
-    <p:extLst>
-      <p:ext uri="{BB962C8B-B14F-4D97-AF65-F5344CB8AC3E}">
-        <p14:creationId xmlns:p14="http://schemas.microsoft.com/office/powerpoint/2010/main" val="3054639045"/>
-      </p:ext>
-    </p:extLst>
-  </p:cSld>
-  <p:clrMapOvr>
-    <a:masterClrMapping/>
-  </p:clrMapOvr>
-</p:sld>
-</file>
-
-<file path=ppt/slides/slide21.xml><?xml version="1.0" encoding="utf-8"?>
-<p:sld xmlns:a="http://schemas.openxmlformats.org/drawingml/2006/main" xmlns:r="http://schemas.openxmlformats.org/officeDocument/2006/relationships" xmlns:p="http://schemas.openxmlformats.org/presentationml/2006/main">
-  <p:cSld>
-    <p:spTree>
-      <p:nvGrpSpPr>
-        <p:cNvPr id="1" name=""/>
-        <p:cNvGrpSpPr/>
-        <p:nvPr/>
-      </p:nvGrpSpPr>
-      <p:grpSpPr>
-        <a:xfrm>
-          <a:off x="0" y="0"/>
-          <a:ext cx="0" cy="0"/>
-          <a:chOff x="0" y="0"/>
-          <a:chExt cx="0" cy="0"/>
-        </a:xfrm>
-      </p:grpSpPr>
-      <p:sp>
-        <p:nvSpPr>
-          <p:cNvPr id="2" name="Заголовок 1">
-            <a:extLst>
-              <a:ext uri="{FF2B5EF4-FFF2-40B4-BE49-F238E27FC236}">
-                <a16:creationId xmlns:a16="http://schemas.microsoft.com/office/drawing/2014/main" id="{37B2568D-F678-466E-9B3F-4EFCABF90A6C}"/>
-              </a:ext>
-            </a:extLst>
-          </p:cNvPr>
-          <p:cNvSpPr>
-            <a:spLocks noGrp="1"/>
-          </p:cNvSpPr>
-          <p:nvPr>
-            <p:ph type="title"/>
-          </p:nvPr>
-        </p:nvSpPr>
-        <p:spPr/>
-        <p:txBody>
-          <a:bodyPr/>
-          <a:lstStyle/>
-          <a:p>
-            <a:r>
-              <a:rPr lang="ru-RU" dirty="0">
-                <a:solidFill>
-                  <a:srgbClr val="FFFFFF"/>
-                </a:solidFill>
-                <a:latin typeface="system-ui"/>
-              </a:rPr>
-              <a:t>Нейросеть из одного нейрона.</a:t>
-            </a:r>
-            <a:br>
-              <a:rPr lang="ru-RU" dirty="0">
-                <a:solidFill>
-                  <a:srgbClr val="FFFFFF"/>
-                </a:solidFill>
-                <a:latin typeface="system-ui"/>
-              </a:rPr>
-            </a:br>
-            <a:r>
-              <a:rPr lang="ru-RU" dirty="0">
-                <a:solidFill>
-                  <a:srgbClr val="FFFFFF"/>
-                </a:solidFill>
-                <a:latin typeface="system-ui"/>
-              </a:rPr>
-              <a:t>На что похоже?</a:t>
-            </a:r>
-            <a:endParaRPr lang="ru-RU" dirty="0"/>
-          </a:p>
-        </p:txBody>
-      </p:sp>
-      <p:pic>
-        <p:nvPicPr>
           <p:cNvPr id="6" name="Объект 5">
             <a:extLst>
               <a:ext uri="{FF2B5EF4-FFF2-40B4-BE49-F238E27FC236}">
@@ -4431,7 +4337,7 @@
 </p:sld>
 </file>
 
-<file path=ppt/slides/slide22.xml><?xml version="1.0" encoding="utf-8"?>
+<file path=ppt/slides/slide21.xml><?xml version="1.0" encoding="utf-8"?>
 <p:sld xmlns:a="http://schemas.openxmlformats.org/drawingml/2006/main" xmlns:r="http://schemas.openxmlformats.org/officeDocument/2006/relationships" xmlns:p="http://schemas.openxmlformats.org/presentationml/2006/main">
   <p:cSld>
     <p:spTree>
@@ -4524,7 +4430,7 @@
 </p:sld>
 </file>
 
-<file path=ppt/slides/slide23.xml><?xml version="1.0" encoding="utf-8"?>
+<file path=ppt/slides/slide22.xml><?xml version="1.0" encoding="utf-8"?>
 <p:sld xmlns:a="http://schemas.openxmlformats.org/drawingml/2006/main" xmlns:r="http://schemas.openxmlformats.org/officeDocument/2006/relationships" xmlns:p="http://schemas.openxmlformats.org/presentationml/2006/main">
   <p:cSld>
     <p:spTree>
@@ -4617,7 +4523,7 @@
 </p:sld>
 </file>
 
-<file path=ppt/slides/slide24.xml><?xml version="1.0" encoding="utf-8"?>
+<file path=ppt/slides/slide23.xml><?xml version="1.0" encoding="utf-8"?>
 <p:sld xmlns:a="http://schemas.openxmlformats.org/drawingml/2006/main" xmlns:r="http://schemas.openxmlformats.org/officeDocument/2006/relationships" xmlns:p="http://schemas.openxmlformats.org/presentationml/2006/main">
   <p:cSld>
     <p:spTree>
@@ -4710,7 +4616,7 @@
 </p:sld>
 </file>
 
-<file path=ppt/slides/slide25.xml><?xml version="1.0" encoding="utf-8"?>
+<file path=ppt/slides/slide24.xml><?xml version="1.0" encoding="utf-8"?>
 <p:sld xmlns:a="http://schemas.openxmlformats.org/drawingml/2006/main" xmlns:r="http://schemas.openxmlformats.org/officeDocument/2006/relationships" xmlns:p="http://schemas.openxmlformats.org/presentationml/2006/main">
   <p:cSld>
     <p:spTree>
@@ -4803,7 +4709,7 @@
 </p:sld>
 </file>
 
-<file path=ppt/slides/slide26.xml><?xml version="1.0" encoding="utf-8"?>
+<file path=ppt/slides/slide25.xml><?xml version="1.0" encoding="utf-8"?>
 <p:sld xmlns:a="http://schemas.openxmlformats.org/drawingml/2006/main" xmlns:r="http://schemas.openxmlformats.org/officeDocument/2006/relationships" xmlns:p="http://schemas.openxmlformats.org/presentationml/2006/main">
   <p:cSld>
     <p:spTree>
@@ -4896,7 +4802,7 @@
 </p:sld>
 </file>
 
-<file path=ppt/slides/slide27.xml><?xml version="1.0" encoding="utf-8"?>
+<file path=ppt/slides/slide26.xml><?xml version="1.0" encoding="utf-8"?>
 <p:sld xmlns:a="http://schemas.openxmlformats.org/drawingml/2006/main" xmlns:r="http://schemas.openxmlformats.org/officeDocument/2006/relationships" xmlns:p="http://schemas.openxmlformats.org/presentationml/2006/main">
   <p:cSld>
     <p:spTree>
